--- a/wireframes/wireframes.pptx
+++ b/wireframes/wireframes.pptx
@@ -13,6 +13,8 @@
     <p:sldId id="257" r:id="rId7"/>
     <p:sldId id="262" r:id="rId8"/>
     <p:sldId id="263" r:id="rId9"/>
+    <p:sldId id="264" r:id="rId10"/>
+    <p:sldId id="265" r:id="rId11"/>
   </p:sldIdLst>
   <p:sldSz cx="12192000" cy="6858000"/>
   <p:notesSz cx="6858000" cy="9144000"/>
@@ -266,7 +268,7 @@
           <a:p>
             <a:fld id="{CE5C1B82-FF87-5E43-9112-610624864079}" type="datetimeFigureOut">
               <a:rPr lang="en-US" smtClean="0"/>
-              <a:t>6/5/20</a:t>
+              <a:t>7/1/20</a:t>
             </a:fld>
             <a:endParaRPr lang="en-US"/>
           </a:p>
@@ -464,7 +466,7 @@
           <a:p>
             <a:fld id="{CE5C1B82-FF87-5E43-9112-610624864079}" type="datetimeFigureOut">
               <a:rPr lang="en-US" smtClean="0"/>
-              <a:t>6/5/20</a:t>
+              <a:t>7/1/20</a:t>
             </a:fld>
             <a:endParaRPr lang="en-US"/>
           </a:p>
@@ -672,7 +674,7 @@
           <a:p>
             <a:fld id="{CE5C1B82-FF87-5E43-9112-610624864079}" type="datetimeFigureOut">
               <a:rPr lang="en-US" smtClean="0"/>
-              <a:t>6/5/20</a:t>
+              <a:t>7/1/20</a:t>
             </a:fld>
             <a:endParaRPr lang="en-US"/>
           </a:p>
@@ -870,7 +872,7 @@
           <a:p>
             <a:fld id="{CE5C1B82-FF87-5E43-9112-610624864079}" type="datetimeFigureOut">
               <a:rPr lang="en-US" smtClean="0"/>
-              <a:t>6/5/20</a:t>
+              <a:t>7/1/20</a:t>
             </a:fld>
             <a:endParaRPr lang="en-US"/>
           </a:p>
@@ -1145,7 +1147,7 @@
           <a:p>
             <a:fld id="{CE5C1B82-FF87-5E43-9112-610624864079}" type="datetimeFigureOut">
               <a:rPr lang="en-US" smtClean="0"/>
-              <a:t>6/5/20</a:t>
+              <a:t>7/1/20</a:t>
             </a:fld>
             <a:endParaRPr lang="en-US"/>
           </a:p>
@@ -1410,7 +1412,7 @@
           <a:p>
             <a:fld id="{CE5C1B82-FF87-5E43-9112-610624864079}" type="datetimeFigureOut">
               <a:rPr lang="en-US" smtClean="0"/>
-              <a:t>6/5/20</a:t>
+              <a:t>7/1/20</a:t>
             </a:fld>
             <a:endParaRPr lang="en-US"/>
           </a:p>
@@ -1822,7 +1824,7 @@
           <a:p>
             <a:fld id="{CE5C1B82-FF87-5E43-9112-610624864079}" type="datetimeFigureOut">
               <a:rPr lang="en-US" smtClean="0"/>
-              <a:t>6/5/20</a:t>
+              <a:t>7/1/20</a:t>
             </a:fld>
             <a:endParaRPr lang="en-US"/>
           </a:p>
@@ -1963,7 +1965,7 @@
           <a:p>
             <a:fld id="{CE5C1B82-FF87-5E43-9112-610624864079}" type="datetimeFigureOut">
               <a:rPr lang="en-US" smtClean="0"/>
-              <a:t>6/5/20</a:t>
+              <a:t>7/1/20</a:t>
             </a:fld>
             <a:endParaRPr lang="en-US"/>
           </a:p>
@@ -2076,7 +2078,7 @@
           <a:p>
             <a:fld id="{CE5C1B82-FF87-5E43-9112-610624864079}" type="datetimeFigureOut">
               <a:rPr lang="en-US" smtClean="0"/>
-              <a:t>6/5/20</a:t>
+              <a:t>7/1/20</a:t>
             </a:fld>
             <a:endParaRPr lang="en-US"/>
           </a:p>
@@ -2387,7 +2389,7 @@
           <a:p>
             <a:fld id="{CE5C1B82-FF87-5E43-9112-610624864079}" type="datetimeFigureOut">
               <a:rPr lang="en-US" smtClean="0"/>
-              <a:t>6/5/20</a:t>
+              <a:t>7/1/20</a:t>
             </a:fld>
             <a:endParaRPr lang="en-US"/>
           </a:p>
@@ -2675,7 +2677,7 @@
           <a:p>
             <a:fld id="{CE5C1B82-FF87-5E43-9112-610624864079}" type="datetimeFigureOut">
               <a:rPr lang="en-US" smtClean="0"/>
-              <a:t>6/5/20</a:t>
+              <a:t>7/1/20</a:t>
             </a:fld>
             <a:endParaRPr lang="en-US"/>
           </a:p>
@@ -2916,7 +2918,7 @@
           <a:p>
             <a:fld id="{CE5C1B82-FF87-5E43-9112-610624864079}" type="datetimeFigureOut">
               <a:rPr lang="en-US" smtClean="0"/>
-              <a:t>6/5/20</a:t>
+              <a:t>7/1/20</a:t>
             </a:fld>
             <a:endParaRPr lang="en-US"/>
           </a:p>
@@ -3367,6 +3369,860 @@
     <p:extLst>
       <p:ext uri="{BB962C8B-B14F-4D97-AF65-F5344CB8AC3E}">
         <p14:creationId xmlns:p14="http://schemas.microsoft.com/office/powerpoint/2010/main" val="1432703084"/>
+      </p:ext>
+    </p:extLst>
+  </p:cSld>
+  <p:clrMapOvr>
+    <a:masterClrMapping/>
+  </p:clrMapOvr>
+</p:sld>
+</file>
+
+<file path=ppt/slides/slide10.xml><?xml version="1.0" encoding="utf-8"?>
+<p:sld xmlns:a="http://schemas.openxmlformats.org/drawingml/2006/main" xmlns:r="http://schemas.openxmlformats.org/officeDocument/2006/relationships" xmlns:p="http://schemas.openxmlformats.org/presentationml/2006/main">
+  <p:cSld>
+    <p:spTree>
+      <p:nvGrpSpPr>
+        <p:cNvPr id="1" name=""/>
+        <p:cNvGrpSpPr/>
+        <p:nvPr/>
+      </p:nvGrpSpPr>
+      <p:grpSpPr>
+        <a:xfrm>
+          <a:off x="0" y="0"/>
+          <a:ext cx="0" cy="0"/>
+          <a:chOff x="0" y="0"/>
+          <a:chExt cx="0" cy="0"/>
+        </a:xfrm>
+      </p:grpSpPr>
+      <p:sp>
+        <p:nvSpPr>
+          <p:cNvPr id="2" name="TextBox 1">
+            <a:extLst>
+              <a:ext uri="{FF2B5EF4-FFF2-40B4-BE49-F238E27FC236}">
+                <a16:creationId xmlns:a16="http://schemas.microsoft.com/office/drawing/2014/main" id="{3505BEC9-C84F-A14E-B8E9-80B927A45BDF}"/>
+              </a:ext>
+            </a:extLst>
+          </p:cNvPr>
+          <p:cNvSpPr txBox="1"/>
+          <p:nvPr/>
+        </p:nvSpPr>
+        <p:spPr>
+          <a:xfrm>
+            <a:off x="4025461" y="0"/>
+            <a:ext cx="2250744" cy="707886"/>
+          </a:xfrm>
+          <a:prstGeom prst="rect">
+            <a:avLst/>
+          </a:prstGeom>
+          <a:noFill/>
+        </p:spPr>
+        <p:txBody>
+          <a:bodyPr wrap="none" rtlCol="0">
+            <a:spAutoFit/>
+          </a:bodyPr>
+          <a:lstStyle/>
+          <a:p>
+            <a:r>
+              <a:rPr lang="en-US" sz="4000" dirty="0"/>
+              <a:t>SPA Pages</a:t>
+            </a:r>
+          </a:p>
+        </p:txBody>
+      </p:sp>
+      <p:sp>
+        <p:nvSpPr>
+          <p:cNvPr id="21" name="TextBox 20">
+            <a:extLst>
+              <a:ext uri="{FF2B5EF4-FFF2-40B4-BE49-F238E27FC236}">
+                <a16:creationId xmlns:a16="http://schemas.microsoft.com/office/drawing/2014/main" id="{8C5C1D5B-7D34-E146-BA56-6ABCDCDA1CA4}"/>
+              </a:ext>
+            </a:extLst>
+          </p:cNvPr>
+          <p:cNvSpPr txBox="1"/>
+          <p:nvPr/>
+        </p:nvSpPr>
+        <p:spPr>
+          <a:xfrm>
+            <a:off x="6485645" y="1193304"/>
+            <a:ext cx="3058272" cy="400110"/>
+          </a:xfrm>
+          <a:prstGeom prst="rect">
+            <a:avLst/>
+          </a:prstGeom>
+          <a:solidFill>
+            <a:srgbClr val="8B373D"/>
+          </a:solidFill>
+        </p:spPr>
+        <p:txBody>
+          <a:bodyPr wrap="square" rtlCol="0">
+            <a:spAutoFit/>
+          </a:bodyPr>
+          <a:lstStyle/>
+          <a:p>
+            <a:pPr algn="ctr"/>
+            <a:r>
+              <a:rPr lang="en-US" sz="2000" dirty="0">
+                <a:solidFill>
+                  <a:schemeClr val="bg1"/>
+                </a:solidFill>
+              </a:rPr>
+              <a:t>List Of Food Groups</a:t>
+            </a:r>
+          </a:p>
+        </p:txBody>
+      </p:sp>
+      <p:sp>
+        <p:nvSpPr>
+          <p:cNvPr id="22" name="TextBox 21">
+            <a:extLst>
+              <a:ext uri="{FF2B5EF4-FFF2-40B4-BE49-F238E27FC236}">
+                <a16:creationId xmlns:a16="http://schemas.microsoft.com/office/drawing/2014/main" id="{6AC9B9F1-20AE-D540-9F61-14195B8B6A72}"/>
+              </a:ext>
+            </a:extLst>
+          </p:cNvPr>
+          <p:cNvSpPr txBox="1"/>
+          <p:nvPr/>
+        </p:nvSpPr>
+        <p:spPr>
+          <a:xfrm>
+            <a:off x="1040761" y="1202159"/>
+            <a:ext cx="2837556" cy="400110"/>
+          </a:xfrm>
+          <a:prstGeom prst="rect">
+            <a:avLst/>
+          </a:prstGeom>
+          <a:solidFill>
+            <a:srgbClr val="E1ABC7"/>
+          </a:solidFill>
+        </p:spPr>
+        <p:txBody>
+          <a:bodyPr wrap="square" rtlCol="0">
+            <a:spAutoFit/>
+          </a:bodyPr>
+          <a:lstStyle/>
+          <a:p>
+            <a:r>
+              <a:rPr lang="en-US" sz="2000" dirty="0"/>
+              <a:t>/</a:t>
+            </a:r>
+          </a:p>
+        </p:txBody>
+      </p:sp>
+      <p:sp>
+        <p:nvSpPr>
+          <p:cNvPr id="4" name="Right Arrow 3">
+            <a:extLst>
+              <a:ext uri="{FF2B5EF4-FFF2-40B4-BE49-F238E27FC236}">
+                <a16:creationId xmlns:a16="http://schemas.microsoft.com/office/drawing/2014/main" id="{BAEDAF6F-1521-E64C-8D57-C17342C60850}"/>
+              </a:ext>
+            </a:extLst>
+          </p:cNvPr>
+          <p:cNvSpPr/>
+          <p:nvPr/>
+        </p:nvSpPr>
+        <p:spPr>
+          <a:xfrm>
+            <a:off x="4796238" y="1131865"/>
+            <a:ext cx="978408" cy="484632"/>
+          </a:xfrm>
+          <a:prstGeom prst="rightArrow">
+            <a:avLst/>
+          </a:prstGeom>
+          <a:solidFill>
+            <a:schemeClr val="accent2"/>
+          </a:solidFill>
+        </p:spPr>
+        <p:style>
+          <a:lnRef idx="2">
+            <a:schemeClr val="accent1">
+              <a:shade val="50000"/>
+            </a:schemeClr>
+          </a:lnRef>
+          <a:fillRef idx="1">
+            <a:schemeClr val="accent1"/>
+          </a:fillRef>
+          <a:effectRef idx="0">
+            <a:schemeClr val="accent1"/>
+          </a:effectRef>
+          <a:fontRef idx="minor">
+            <a:schemeClr val="lt1"/>
+          </a:fontRef>
+        </p:style>
+        <p:txBody>
+          <a:bodyPr rtlCol="0" anchor="ctr"/>
+          <a:lstStyle/>
+          <a:p>
+            <a:pPr algn="ctr"/>
+            <a:endParaRPr lang="en-US"/>
+          </a:p>
+        </p:txBody>
+      </p:sp>
+      <p:sp>
+        <p:nvSpPr>
+          <p:cNvPr id="17" name="TextBox 16">
+            <a:extLst>
+              <a:ext uri="{FF2B5EF4-FFF2-40B4-BE49-F238E27FC236}">
+                <a16:creationId xmlns:a16="http://schemas.microsoft.com/office/drawing/2014/main" id="{9EBD348F-8A44-474B-97DF-56BBF18F252E}"/>
+              </a:ext>
+            </a:extLst>
+          </p:cNvPr>
+          <p:cNvSpPr txBox="1"/>
+          <p:nvPr/>
+        </p:nvSpPr>
+        <p:spPr>
+          <a:xfrm>
+            <a:off x="6485645" y="1853475"/>
+            <a:ext cx="3058272" cy="707886"/>
+          </a:xfrm>
+          <a:prstGeom prst="rect">
+            <a:avLst/>
+          </a:prstGeom>
+          <a:solidFill>
+            <a:srgbClr val="8B373D"/>
+          </a:solidFill>
+        </p:spPr>
+        <p:txBody>
+          <a:bodyPr wrap="square" rtlCol="0">
+            <a:spAutoFit/>
+          </a:bodyPr>
+          <a:lstStyle/>
+          <a:p>
+            <a:pPr algn="ctr"/>
+            <a:r>
+              <a:rPr lang="en-US" sz="2000" dirty="0">
+                <a:solidFill>
+                  <a:schemeClr val="bg1"/>
+                </a:solidFill>
+              </a:rPr>
+              <a:t>List Of Food for Selected Food Group</a:t>
+            </a:r>
+          </a:p>
+        </p:txBody>
+      </p:sp>
+      <p:sp>
+        <p:nvSpPr>
+          <p:cNvPr id="19" name="TextBox 18">
+            <a:extLst>
+              <a:ext uri="{FF2B5EF4-FFF2-40B4-BE49-F238E27FC236}">
+                <a16:creationId xmlns:a16="http://schemas.microsoft.com/office/drawing/2014/main" id="{99D2467A-9E8D-464C-8B0C-44903E85D563}"/>
+              </a:ext>
+            </a:extLst>
+          </p:cNvPr>
+          <p:cNvSpPr txBox="1"/>
+          <p:nvPr/>
+        </p:nvSpPr>
+        <p:spPr>
+          <a:xfrm>
+            <a:off x="1040761" y="1862330"/>
+            <a:ext cx="2837556" cy="400110"/>
+          </a:xfrm>
+          <a:prstGeom prst="rect">
+            <a:avLst/>
+          </a:prstGeom>
+          <a:solidFill>
+            <a:srgbClr val="E1ABC7"/>
+          </a:solidFill>
+        </p:spPr>
+        <p:txBody>
+          <a:bodyPr wrap="square" rtlCol="0">
+            <a:spAutoFit/>
+          </a:bodyPr>
+          <a:lstStyle/>
+          <a:p>
+            <a:r>
+              <a:rPr lang="en-US" sz="2000" dirty="0"/>
+              <a:t>/:</a:t>
+            </a:r>
+            <a:r>
+              <a:rPr lang="en-US" sz="2000" dirty="0" err="1"/>
+              <a:t>foodgroupname</a:t>
+            </a:r>
+            <a:r>
+              <a:rPr lang="en-US" sz="2000" dirty="0"/>
+              <a:t>/food</a:t>
+            </a:r>
+          </a:p>
+        </p:txBody>
+      </p:sp>
+      <p:sp>
+        <p:nvSpPr>
+          <p:cNvPr id="20" name="Right Arrow 19">
+            <a:extLst>
+              <a:ext uri="{FF2B5EF4-FFF2-40B4-BE49-F238E27FC236}">
+                <a16:creationId xmlns:a16="http://schemas.microsoft.com/office/drawing/2014/main" id="{5D6DC7A6-D72A-D946-BB60-A34441656E61}"/>
+              </a:ext>
+            </a:extLst>
+          </p:cNvPr>
+          <p:cNvSpPr/>
+          <p:nvPr/>
+        </p:nvSpPr>
+        <p:spPr>
+          <a:xfrm>
+            <a:off x="4796238" y="1865606"/>
+            <a:ext cx="978408" cy="484632"/>
+          </a:xfrm>
+          <a:prstGeom prst="rightArrow">
+            <a:avLst/>
+          </a:prstGeom>
+          <a:solidFill>
+            <a:schemeClr val="accent2"/>
+          </a:solidFill>
+        </p:spPr>
+        <p:style>
+          <a:lnRef idx="2">
+            <a:schemeClr val="accent1">
+              <a:shade val="50000"/>
+            </a:schemeClr>
+          </a:lnRef>
+          <a:fillRef idx="1">
+            <a:schemeClr val="accent1"/>
+          </a:fillRef>
+          <a:effectRef idx="0">
+            <a:schemeClr val="accent1"/>
+          </a:effectRef>
+          <a:fontRef idx="minor">
+            <a:schemeClr val="lt1"/>
+          </a:fontRef>
+        </p:style>
+        <p:txBody>
+          <a:bodyPr rtlCol="0" anchor="ctr"/>
+          <a:lstStyle/>
+          <a:p>
+            <a:pPr algn="ctr"/>
+            <a:endParaRPr lang="en-US"/>
+          </a:p>
+        </p:txBody>
+      </p:sp>
+      <p:sp>
+        <p:nvSpPr>
+          <p:cNvPr id="24" name="TextBox 23">
+            <a:extLst>
+              <a:ext uri="{FF2B5EF4-FFF2-40B4-BE49-F238E27FC236}">
+                <a16:creationId xmlns:a16="http://schemas.microsoft.com/office/drawing/2014/main" id="{32C04FE8-48B0-CE4E-A959-CD0AE486CB3F}"/>
+              </a:ext>
+            </a:extLst>
+          </p:cNvPr>
+          <p:cNvSpPr txBox="1"/>
+          <p:nvPr/>
+        </p:nvSpPr>
+        <p:spPr>
+          <a:xfrm>
+            <a:off x="6485645" y="2821422"/>
+            <a:ext cx="3058272" cy="707886"/>
+          </a:xfrm>
+          <a:prstGeom prst="rect">
+            <a:avLst/>
+          </a:prstGeom>
+          <a:solidFill>
+            <a:srgbClr val="8B373D"/>
+          </a:solidFill>
+        </p:spPr>
+        <p:txBody>
+          <a:bodyPr wrap="square" rtlCol="0">
+            <a:spAutoFit/>
+          </a:bodyPr>
+          <a:lstStyle/>
+          <a:p>
+            <a:pPr algn="ctr"/>
+            <a:r>
+              <a:rPr lang="en-US" sz="2000" dirty="0">
+                <a:solidFill>
+                  <a:schemeClr val="bg1"/>
+                </a:solidFill>
+              </a:rPr>
+              <a:t>Food details for the food selected</a:t>
+            </a:r>
+          </a:p>
+        </p:txBody>
+      </p:sp>
+      <p:sp>
+        <p:nvSpPr>
+          <p:cNvPr id="25" name="TextBox 24">
+            <a:extLst>
+              <a:ext uri="{FF2B5EF4-FFF2-40B4-BE49-F238E27FC236}">
+                <a16:creationId xmlns:a16="http://schemas.microsoft.com/office/drawing/2014/main" id="{73A07227-5C9D-C34B-88D7-64F3064071AD}"/>
+              </a:ext>
+            </a:extLst>
+          </p:cNvPr>
+          <p:cNvSpPr txBox="1"/>
+          <p:nvPr/>
+        </p:nvSpPr>
+        <p:spPr>
+          <a:xfrm>
+            <a:off x="1040761" y="2830277"/>
+            <a:ext cx="2837556" cy="400110"/>
+          </a:xfrm>
+          <a:prstGeom prst="rect">
+            <a:avLst/>
+          </a:prstGeom>
+          <a:solidFill>
+            <a:srgbClr val="E1ABC7"/>
+          </a:solidFill>
+        </p:spPr>
+        <p:txBody>
+          <a:bodyPr wrap="square" rtlCol="0">
+            <a:spAutoFit/>
+          </a:bodyPr>
+          <a:lstStyle/>
+          <a:p>
+            <a:r>
+              <a:rPr lang="en-US" sz="2000" dirty="0"/>
+              <a:t>/:</a:t>
+            </a:r>
+            <a:r>
+              <a:rPr lang="en-US" sz="2000" dirty="0" err="1"/>
+              <a:t>foodname</a:t>
+            </a:r>
+            <a:r>
+              <a:rPr lang="en-US" sz="2000" dirty="0"/>
+              <a:t>/</a:t>
+            </a:r>
+          </a:p>
+        </p:txBody>
+      </p:sp>
+      <p:sp>
+        <p:nvSpPr>
+          <p:cNvPr id="28" name="Right Arrow 27">
+            <a:extLst>
+              <a:ext uri="{FF2B5EF4-FFF2-40B4-BE49-F238E27FC236}">
+                <a16:creationId xmlns:a16="http://schemas.microsoft.com/office/drawing/2014/main" id="{D28D8BA6-DAD5-634E-BCEE-3A3AF04E2507}"/>
+              </a:ext>
+            </a:extLst>
+          </p:cNvPr>
+          <p:cNvSpPr/>
+          <p:nvPr/>
+        </p:nvSpPr>
+        <p:spPr>
+          <a:xfrm>
+            <a:off x="4796238" y="2833553"/>
+            <a:ext cx="978408" cy="484632"/>
+          </a:xfrm>
+          <a:prstGeom prst="rightArrow">
+            <a:avLst/>
+          </a:prstGeom>
+          <a:solidFill>
+            <a:schemeClr val="accent2"/>
+          </a:solidFill>
+        </p:spPr>
+        <p:style>
+          <a:lnRef idx="2">
+            <a:schemeClr val="accent1">
+              <a:shade val="50000"/>
+            </a:schemeClr>
+          </a:lnRef>
+          <a:fillRef idx="1">
+            <a:schemeClr val="accent1"/>
+          </a:fillRef>
+          <a:effectRef idx="0">
+            <a:schemeClr val="accent1"/>
+          </a:effectRef>
+          <a:fontRef idx="minor">
+            <a:schemeClr val="lt1"/>
+          </a:fontRef>
+        </p:style>
+        <p:txBody>
+          <a:bodyPr rtlCol="0" anchor="ctr"/>
+          <a:lstStyle/>
+          <a:p>
+            <a:pPr algn="ctr"/>
+            <a:endParaRPr lang="en-US"/>
+          </a:p>
+        </p:txBody>
+      </p:sp>
+      <p:sp>
+        <p:nvSpPr>
+          <p:cNvPr id="29" name="TextBox 28">
+            <a:extLst>
+              <a:ext uri="{FF2B5EF4-FFF2-40B4-BE49-F238E27FC236}">
+                <a16:creationId xmlns:a16="http://schemas.microsoft.com/office/drawing/2014/main" id="{03217FB4-4961-6B44-B37A-856CD2038205}"/>
+              </a:ext>
+            </a:extLst>
+          </p:cNvPr>
+          <p:cNvSpPr txBox="1"/>
+          <p:nvPr/>
+        </p:nvSpPr>
+        <p:spPr>
+          <a:xfrm>
+            <a:off x="6485645" y="3713702"/>
+            <a:ext cx="3058272" cy="400110"/>
+          </a:xfrm>
+          <a:prstGeom prst="rect">
+            <a:avLst/>
+          </a:prstGeom>
+          <a:solidFill>
+            <a:srgbClr val="8B373D"/>
+          </a:solidFill>
+        </p:spPr>
+        <p:txBody>
+          <a:bodyPr wrap="square" rtlCol="0">
+            <a:spAutoFit/>
+          </a:bodyPr>
+          <a:lstStyle/>
+          <a:p>
+            <a:pPr algn="ctr"/>
+            <a:r>
+              <a:rPr lang="en-US" sz="2000" dirty="0">
+                <a:solidFill>
+                  <a:schemeClr val="bg1"/>
+                </a:solidFill>
+              </a:rPr>
+              <a:t>Signup + Login forms</a:t>
+            </a:r>
+          </a:p>
+        </p:txBody>
+      </p:sp>
+      <p:sp>
+        <p:nvSpPr>
+          <p:cNvPr id="30" name="TextBox 29">
+            <a:extLst>
+              <a:ext uri="{FF2B5EF4-FFF2-40B4-BE49-F238E27FC236}">
+                <a16:creationId xmlns:a16="http://schemas.microsoft.com/office/drawing/2014/main" id="{79D81DD1-E7AA-674C-B1AB-0385B086C7D8}"/>
+              </a:ext>
+            </a:extLst>
+          </p:cNvPr>
+          <p:cNvSpPr txBox="1"/>
+          <p:nvPr/>
+        </p:nvSpPr>
+        <p:spPr>
+          <a:xfrm>
+            <a:off x="1040761" y="3722557"/>
+            <a:ext cx="2837556" cy="400110"/>
+          </a:xfrm>
+          <a:prstGeom prst="rect">
+            <a:avLst/>
+          </a:prstGeom>
+          <a:solidFill>
+            <a:srgbClr val="E1ABC7"/>
+          </a:solidFill>
+        </p:spPr>
+        <p:txBody>
+          <a:bodyPr wrap="square" rtlCol="0">
+            <a:spAutoFit/>
+          </a:bodyPr>
+          <a:lstStyle/>
+          <a:p>
+            <a:r>
+              <a:rPr lang="en-US" sz="2000" dirty="0"/>
+              <a:t>/authenticate</a:t>
+            </a:r>
+          </a:p>
+        </p:txBody>
+      </p:sp>
+      <p:sp>
+        <p:nvSpPr>
+          <p:cNvPr id="31" name="Right Arrow 30">
+            <a:extLst>
+              <a:ext uri="{FF2B5EF4-FFF2-40B4-BE49-F238E27FC236}">
+                <a16:creationId xmlns:a16="http://schemas.microsoft.com/office/drawing/2014/main" id="{7FF3CBE5-E66F-A241-A718-0A79F97B3F05}"/>
+              </a:ext>
+            </a:extLst>
+          </p:cNvPr>
+          <p:cNvSpPr/>
+          <p:nvPr/>
+        </p:nvSpPr>
+        <p:spPr>
+          <a:xfrm>
+            <a:off x="4796238" y="3725833"/>
+            <a:ext cx="978408" cy="484632"/>
+          </a:xfrm>
+          <a:prstGeom prst="rightArrow">
+            <a:avLst/>
+          </a:prstGeom>
+          <a:solidFill>
+            <a:schemeClr val="accent2"/>
+          </a:solidFill>
+        </p:spPr>
+        <p:style>
+          <a:lnRef idx="2">
+            <a:schemeClr val="accent1">
+              <a:shade val="50000"/>
+            </a:schemeClr>
+          </a:lnRef>
+          <a:fillRef idx="1">
+            <a:schemeClr val="accent1"/>
+          </a:fillRef>
+          <a:effectRef idx="0">
+            <a:schemeClr val="accent1"/>
+          </a:effectRef>
+          <a:fontRef idx="minor">
+            <a:schemeClr val="lt1"/>
+          </a:fontRef>
+        </p:style>
+        <p:txBody>
+          <a:bodyPr rtlCol="0" anchor="ctr"/>
+          <a:lstStyle/>
+          <a:p>
+            <a:pPr algn="ctr"/>
+            <a:endParaRPr lang="en-US"/>
+          </a:p>
+        </p:txBody>
+      </p:sp>
+      <p:sp>
+        <p:nvSpPr>
+          <p:cNvPr id="32" name="TextBox 31">
+            <a:extLst>
+              <a:ext uri="{FF2B5EF4-FFF2-40B4-BE49-F238E27FC236}">
+                <a16:creationId xmlns:a16="http://schemas.microsoft.com/office/drawing/2014/main" id="{036978C5-8984-1D43-AC98-73BEE820A1FC}"/>
+              </a:ext>
+            </a:extLst>
+          </p:cNvPr>
+          <p:cNvSpPr txBox="1"/>
+          <p:nvPr/>
+        </p:nvSpPr>
+        <p:spPr>
+          <a:xfrm>
+            <a:off x="6485645" y="4405927"/>
+            <a:ext cx="3058272" cy="400110"/>
+          </a:xfrm>
+          <a:prstGeom prst="rect">
+            <a:avLst/>
+          </a:prstGeom>
+          <a:solidFill>
+            <a:srgbClr val="8B373D"/>
+          </a:solidFill>
+        </p:spPr>
+        <p:txBody>
+          <a:bodyPr wrap="square" rtlCol="0">
+            <a:spAutoFit/>
+          </a:bodyPr>
+          <a:lstStyle/>
+          <a:p>
+            <a:pPr algn="ctr"/>
+            <a:r>
+              <a:rPr lang="en-US" sz="2000" dirty="0">
+                <a:solidFill>
+                  <a:schemeClr val="bg1"/>
+                </a:solidFill>
+              </a:rPr>
+              <a:t>New food form</a:t>
+            </a:r>
+          </a:p>
+        </p:txBody>
+      </p:sp>
+      <p:sp>
+        <p:nvSpPr>
+          <p:cNvPr id="33" name="TextBox 32">
+            <a:extLst>
+              <a:ext uri="{FF2B5EF4-FFF2-40B4-BE49-F238E27FC236}">
+                <a16:creationId xmlns:a16="http://schemas.microsoft.com/office/drawing/2014/main" id="{2453079B-F419-714E-B8E1-60969A64678C}"/>
+              </a:ext>
+            </a:extLst>
+          </p:cNvPr>
+          <p:cNvSpPr txBox="1"/>
+          <p:nvPr/>
+        </p:nvSpPr>
+        <p:spPr>
+          <a:xfrm>
+            <a:off x="1040761" y="4414782"/>
+            <a:ext cx="2837556" cy="400110"/>
+          </a:xfrm>
+          <a:prstGeom prst="rect">
+            <a:avLst/>
+          </a:prstGeom>
+          <a:solidFill>
+            <a:srgbClr val="E1ABC7"/>
+          </a:solidFill>
+        </p:spPr>
+        <p:txBody>
+          <a:bodyPr wrap="square" rtlCol="0">
+            <a:spAutoFit/>
+          </a:bodyPr>
+          <a:lstStyle/>
+          <a:p>
+            <a:r>
+              <a:rPr lang="en-US" sz="2000" dirty="0"/>
+              <a:t>/food/new</a:t>
+            </a:r>
+          </a:p>
+        </p:txBody>
+      </p:sp>
+      <p:sp>
+        <p:nvSpPr>
+          <p:cNvPr id="34" name="Right Arrow 33">
+            <a:extLst>
+              <a:ext uri="{FF2B5EF4-FFF2-40B4-BE49-F238E27FC236}">
+                <a16:creationId xmlns:a16="http://schemas.microsoft.com/office/drawing/2014/main" id="{1ECB5163-7201-C24B-BCDE-D6E6059519C2}"/>
+              </a:ext>
+            </a:extLst>
+          </p:cNvPr>
+          <p:cNvSpPr/>
+          <p:nvPr/>
+        </p:nvSpPr>
+        <p:spPr>
+          <a:xfrm>
+            <a:off x="4796238" y="4418058"/>
+            <a:ext cx="978408" cy="484632"/>
+          </a:xfrm>
+          <a:prstGeom prst="rightArrow">
+            <a:avLst/>
+          </a:prstGeom>
+          <a:solidFill>
+            <a:schemeClr val="accent2"/>
+          </a:solidFill>
+        </p:spPr>
+        <p:style>
+          <a:lnRef idx="2">
+            <a:schemeClr val="accent1">
+              <a:shade val="50000"/>
+            </a:schemeClr>
+          </a:lnRef>
+          <a:fillRef idx="1">
+            <a:schemeClr val="accent1"/>
+          </a:fillRef>
+          <a:effectRef idx="0">
+            <a:schemeClr val="accent1"/>
+          </a:effectRef>
+          <a:fontRef idx="minor">
+            <a:schemeClr val="lt1"/>
+          </a:fontRef>
+        </p:style>
+        <p:txBody>
+          <a:bodyPr rtlCol="0" anchor="ctr"/>
+          <a:lstStyle/>
+          <a:p>
+            <a:pPr algn="ctr"/>
+            <a:endParaRPr lang="en-US"/>
+          </a:p>
+        </p:txBody>
+      </p:sp>
+      <p:sp>
+        <p:nvSpPr>
+          <p:cNvPr id="35" name="TextBox 34">
+            <a:extLst>
+              <a:ext uri="{FF2B5EF4-FFF2-40B4-BE49-F238E27FC236}">
+                <a16:creationId xmlns:a16="http://schemas.microsoft.com/office/drawing/2014/main" id="{DB95C684-4F00-BF41-84E4-3BBA14254390}"/>
+              </a:ext>
+            </a:extLst>
+          </p:cNvPr>
+          <p:cNvSpPr txBox="1"/>
+          <p:nvPr/>
+        </p:nvSpPr>
+        <p:spPr>
+          <a:xfrm>
+            <a:off x="6485645" y="5013630"/>
+            <a:ext cx="3058272" cy="400110"/>
+          </a:xfrm>
+          <a:prstGeom prst="rect">
+            <a:avLst/>
+          </a:prstGeom>
+          <a:solidFill>
+            <a:srgbClr val="8B373D"/>
+          </a:solidFill>
+        </p:spPr>
+        <p:txBody>
+          <a:bodyPr wrap="square" rtlCol="0">
+            <a:spAutoFit/>
+          </a:bodyPr>
+          <a:lstStyle/>
+          <a:p>
+            <a:pPr algn="ctr"/>
+            <a:r>
+              <a:rPr lang="en-US" sz="2000" dirty="0">
+                <a:solidFill>
+                  <a:schemeClr val="bg1"/>
+                </a:solidFill>
+              </a:rPr>
+              <a:t>Update food form</a:t>
+            </a:r>
+          </a:p>
+        </p:txBody>
+      </p:sp>
+      <p:sp>
+        <p:nvSpPr>
+          <p:cNvPr id="37" name="TextBox 36">
+            <a:extLst>
+              <a:ext uri="{FF2B5EF4-FFF2-40B4-BE49-F238E27FC236}">
+                <a16:creationId xmlns:a16="http://schemas.microsoft.com/office/drawing/2014/main" id="{006988DA-2638-A844-9971-0B1AD93E441E}"/>
+              </a:ext>
+            </a:extLst>
+          </p:cNvPr>
+          <p:cNvSpPr txBox="1"/>
+          <p:nvPr/>
+        </p:nvSpPr>
+        <p:spPr>
+          <a:xfrm>
+            <a:off x="1040761" y="5022485"/>
+            <a:ext cx="2837556" cy="400110"/>
+          </a:xfrm>
+          <a:prstGeom prst="rect">
+            <a:avLst/>
+          </a:prstGeom>
+          <a:solidFill>
+            <a:srgbClr val="E1ABC7"/>
+          </a:solidFill>
+        </p:spPr>
+        <p:txBody>
+          <a:bodyPr wrap="square" rtlCol="0">
+            <a:spAutoFit/>
+          </a:bodyPr>
+          <a:lstStyle/>
+          <a:p>
+            <a:r>
+              <a:rPr lang="en-US" sz="2000" dirty="0"/>
+              <a:t>/food/:</a:t>
+            </a:r>
+            <a:r>
+              <a:rPr lang="en-US" sz="2000" dirty="0" err="1"/>
+              <a:t>foodid</a:t>
+            </a:r>
+            <a:endParaRPr lang="en-US" sz="2000" dirty="0"/>
+          </a:p>
+        </p:txBody>
+      </p:sp>
+      <p:sp>
+        <p:nvSpPr>
+          <p:cNvPr id="38" name="Right Arrow 37">
+            <a:extLst>
+              <a:ext uri="{FF2B5EF4-FFF2-40B4-BE49-F238E27FC236}">
+                <a16:creationId xmlns:a16="http://schemas.microsoft.com/office/drawing/2014/main" id="{0FF2FF9A-31E1-1F43-9B36-90306EAC37ED}"/>
+              </a:ext>
+            </a:extLst>
+          </p:cNvPr>
+          <p:cNvSpPr/>
+          <p:nvPr/>
+        </p:nvSpPr>
+        <p:spPr>
+          <a:xfrm>
+            <a:off x="4796238" y="5025761"/>
+            <a:ext cx="978408" cy="484632"/>
+          </a:xfrm>
+          <a:prstGeom prst="rightArrow">
+            <a:avLst/>
+          </a:prstGeom>
+          <a:solidFill>
+            <a:schemeClr val="accent2"/>
+          </a:solidFill>
+        </p:spPr>
+        <p:style>
+          <a:lnRef idx="2">
+            <a:schemeClr val="accent1">
+              <a:shade val="50000"/>
+            </a:schemeClr>
+          </a:lnRef>
+          <a:fillRef idx="1">
+            <a:schemeClr val="accent1"/>
+          </a:fillRef>
+          <a:effectRef idx="0">
+            <a:schemeClr val="accent1"/>
+          </a:effectRef>
+          <a:fontRef idx="minor">
+            <a:schemeClr val="lt1"/>
+          </a:fontRef>
+        </p:style>
+        <p:txBody>
+          <a:bodyPr rtlCol="0" anchor="ctr"/>
+          <a:lstStyle/>
+          <a:p>
+            <a:pPr algn="ctr"/>
+            <a:endParaRPr lang="en-US"/>
+          </a:p>
+        </p:txBody>
+      </p:sp>
+    </p:spTree>
+    <p:extLst>
+      <p:ext uri="{BB962C8B-B14F-4D97-AF65-F5344CB8AC3E}">
+        <p14:creationId xmlns:p14="http://schemas.microsoft.com/office/powerpoint/2010/main" val="4181487809"/>
       </p:ext>
     </p:extLst>
   </p:cSld>
@@ -3708,7 +4564,7 @@
         <p:spPr>
           <a:xfrm>
             <a:off x="3668110" y="536028"/>
-            <a:ext cx="3058273" cy="707886"/>
+            <a:ext cx="3073342" cy="707886"/>
           </a:xfrm>
           <a:prstGeom prst="rect">
             <a:avLst/>
@@ -3723,13 +4579,8 @@
           <a:p>
             <a:r>
               <a:rPr lang="en-US" sz="4000" dirty="0"/>
-              <a:t>API </a:t>
-            </a:r>
-            <a:r>
-              <a:rPr lang="en-US" sz="4000" dirty="0" err="1"/>
-              <a:t>EndPoints</a:t>
-            </a:r>
-            <a:endParaRPr lang="en-US" sz="4000" dirty="0"/>
+              <a:t>API Endpoints</a:t>
+            </a:r>
           </a:p>
         </p:txBody>
       </p:sp>
@@ -3804,7 +4655,7 @@
         </p:nvSpPr>
         <p:spPr>
           <a:xfrm>
-            <a:off x="88619" y="2065139"/>
+            <a:off x="88615" y="3611407"/>
             <a:ext cx="3058272" cy="584775"/>
           </a:xfrm>
           <a:prstGeom prst="rect">
@@ -3845,7 +4696,7 @@
         </p:nvSpPr>
         <p:spPr>
           <a:xfrm>
-            <a:off x="88618" y="2649914"/>
+            <a:off x="88618" y="4163398"/>
             <a:ext cx="3058273" cy="1077218"/>
           </a:xfrm>
           <a:prstGeom prst="rect">
@@ -3882,7 +4733,7 @@
         </p:nvSpPr>
         <p:spPr>
           <a:xfrm>
-            <a:off x="88619" y="3986735"/>
+            <a:off x="88619" y="5500219"/>
             <a:ext cx="3058272" cy="584775"/>
           </a:xfrm>
           <a:prstGeom prst="rect">
@@ -3923,7 +4774,7 @@
         </p:nvSpPr>
         <p:spPr>
           <a:xfrm>
-            <a:off x="88618" y="4571510"/>
+            <a:off x="88618" y="6084994"/>
             <a:ext cx="3058273" cy="584775"/>
           </a:xfrm>
           <a:prstGeom prst="rect">
@@ -4041,19 +4892,6 @@
               </a:rPr>
               <a:t>GET ../</a:t>
             </a:r>
-            <a:r>
-              <a:rPr lang="en-US" sz="3200" dirty="0" err="1">
-                <a:solidFill>
-                  <a:schemeClr val="bg1"/>
-                </a:solidFill>
-              </a:rPr>
-              <a:t>foodgroups</a:t>
-            </a:r>
-            <a:endParaRPr lang="en-US" sz="3200" dirty="0">
-              <a:solidFill>
-                <a:schemeClr val="bg1"/>
-              </a:solidFill>
-            </a:endParaRPr>
           </a:p>
         </p:txBody>
       </p:sp>
@@ -4326,7 +5164,7 @@
                   <a:schemeClr val="bg1"/>
                 </a:solidFill>
               </a:rPr>
-              <a:t>fooditem</a:t>
+              <a:t>foodname</a:t>
             </a:r>
             <a:r>
               <a:rPr lang="en-US" sz="3200" dirty="0">
@@ -4436,7 +5274,7 @@
                   <a:schemeClr val="bg1"/>
                 </a:solidFill>
               </a:rPr>
-              <a:t>fooditem</a:t>
+              <a:t>foodname</a:t>
             </a:r>
             <a:endParaRPr lang="en-US" sz="3200" dirty="0">
               <a:solidFill>
@@ -4482,6 +5320,88 @@
             <a:r>
               <a:rPr lang="en-US" sz="3200" dirty="0"/>
               <a:t>Retrieve details of a food item</a:t>
+            </a:r>
+          </a:p>
+        </p:txBody>
+      </p:sp>
+      <p:sp>
+        <p:nvSpPr>
+          <p:cNvPr id="24" name="TextBox 23">
+            <a:extLst>
+              <a:ext uri="{FF2B5EF4-FFF2-40B4-BE49-F238E27FC236}">
+                <a16:creationId xmlns:a16="http://schemas.microsoft.com/office/drawing/2014/main" id="{6BC4BB17-1212-7549-B670-C265A5A6D1E7}"/>
+              </a:ext>
+            </a:extLst>
+          </p:cNvPr>
+          <p:cNvSpPr txBox="1"/>
+          <p:nvPr/>
+        </p:nvSpPr>
+        <p:spPr>
+          <a:xfrm>
+            <a:off x="88616" y="1851669"/>
+            <a:ext cx="3058272" cy="584775"/>
+          </a:xfrm>
+          <a:prstGeom prst="rect">
+            <a:avLst/>
+          </a:prstGeom>
+          <a:solidFill>
+            <a:srgbClr val="8B373D"/>
+          </a:solidFill>
+        </p:spPr>
+        <p:txBody>
+          <a:bodyPr wrap="square" rtlCol="0">
+            <a:spAutoFit/>
+          </a:bodyPr>
+          <a:lstStyle/>
+          <a:p>
+            <a:r>
+              <a:rPr lang="en-US" sz="3200" dirty="0">
+                <a:solidFill>
+                  <a:schemeClr val="bg1"/>
+                </a:solidFill>
+              </a:rPr>
+              <a:t>GET ../</a:t>
+            </a:r>
+          </a:p>
+        </p:txBody>
+      </p:sp>
+      <p:sp>
+        <p:nvSpPr>
+          <p:cNvPr id="25" name="TextBox 24">
+            <a:extLst>
+              <a:ext uri="{FF2B5EF4-FFF2-40B4-BE49-F238E27FC236}">
+                <a16:creationId xmlns:a16="http://schemas.microsoft.com/office/drawing/2014/main" id="{7BD1EFFE-29F9-7A41-9E14-12A746466131}"/>
+              </a:ext>
+            </a:extLst>
+          </p:cNvPr>
+          <p:cNvSpPr txBox="1"/>
+          <p:nvPr/>
+        </p:nvSpPr>
+        <p:spPr>
+          <a:xfrm>
+            <a:off x="88615" y="2436444"/>
+            <a:ext cx="3058273" cy="1077218"/>
+          </a:xfrm>
+          <a:prstGeom prst="rect">
+            <a:avLst/>
+          </a:prstGeom>
+          <a:solidFill>
+            <a:srgbClr val="E1ABC7"/>
+          </a:solidFill>
+        </p:spPr>
+        <p:txBody>
+          <a:bodyPr wrap="square" rtlCol="0">
+            <a:spAutoFit/>
+          </a:bodyPr>
+          <a:lstStyle/>
+          <a:p>
+            <a:r>
+              <a:rPr lang="en-US" sz="3200" dirty="0" err="1"/>
+              <a:t>Retreive</a:t>
+            </a:r>
+            <a:r>
+              <a:rPr lang="en-US" sz="3200" dirty="0"/>
+              <a:t> list of all users</a:t>
             </a:r>
           </a:p>
         </p:txBody>
@@ -4566,7 +5486,7 @@
         <p:spPr>
           <a:xfrm>
             <a:off x="533465" y="1739747"/>
-            <a:ext cx="4347456" cy="584775"/>
+            <a:ext cx="4347456" cy="461665"/>
           </a:xfrm>
           <a:prstGeom prst="rect">
             <a:avLst/>
@@ -4583,7 +5503,7 @@
           <a:p>
             <a:pPr algn="ctr"/>
             <a:r>
-              <a:rPr lang="en-US" sz="3200" dirty="0">
+              <a:rPr lang="en-US" sz="2400" dirty="0">
                 <a:solidFill>
                   <a:schemeClr val="bg1"/>
                 </a:solidFill>
@@ -4608,7 +5528,7 @@
         <p:spPr>
           <a:xfrm>
             <a:off x="4880921" y="1739747"/>
-            <a:ext cx="7170966" cy="584775"/>
+            <a:ext cx="4806776" cy="461665"/>
           </a:xfrm>
           <a:prstGeom prst="rect">
             <a:avLst/>
@@ -4625,7 +5545,7 @@
           <a:p>
             <a:pPr algn="ctr"/>
             <a:r>
-              <a:rPr lang="en-US" sz="3200" dirty="0"/>
+              <a:rPr lang="en-US" sz="2400" dirty="0"/>
               <a:t>List of all food groups</a:t>
             </a:r>
           </a:p>
@@ -4646,7 +5566,7 @@
         <p:spPr>
           <a:xfrm>
             <a:off x="533465" y="2476922"/>
-            <a:ext cx="4347456" cy="584775"/>
+            <a:ext cx="4347456" cy="461665"/>
           </a:xfrm>
           <a:prstGeom prst="rect">
             <a:avLst/>
@@ -4663,7 +5583,7 @@
           <a:p>
             <a:pPr algn="ctr"/>
             <a:r>
-              <a:rPr lang="en-US" sz="3200" dirty="0">
+              <a:rPr lang="en-US" sz="2400" dirty="0">
                 <a:solidFill>
                   <a:schemeClr val="bg1"/>
                 </a:solidFill>
@@ -4671,7 +5591,7 @@
               <a:t>/:</a:t>
             </a:r>
             <a:r>
-              <a:rPr lang="en-US" sz="3200" dirty="0" err="1">
+              <a:rPr lang="en-US" sz="2400" dirty="0" err="1">
                 <a:solidFill>
                   <a:schemeClr val="bg1"/>
                 </a:solidFill>
@@ -4679,7 +5599,7 @@
               <a:t>foodgroup</a:t>
             </a:r>
             <a:r>
-              <a:rPr lang="en-US" sz="3200" dirty="0">
+              <a:rPr lang="en-US" sz="2400" dirty="0">
                 <a:solidFill>
                   <a:schemeClr val="bg1"/>
                 </a:solidFill>
@@ -4687,14 +5607,14 @@
               <a:t>/</a:t>
             </a:r>
             <a:r>
-              <a:rPr lang="en-US" sz="3200" dirty="0" err="1">
+              <a:rPr lang="en-US" sz="2400" dirty="0" err="1">
                 <a:solidFill>
                   <a:schemeClr val="bg1"/>
                 </a:solidFill>
               </a:rPr>
               <a:t>foodItems</a:t>
             </a:r>
-            <a:endParaRPr lang="en-US" sz="3200" dirty="0">
+            <a:endParaRPr lang="en-US" sz="2400" dirty="0">
               <a:solidFill>
                 <a:schemeClr val="bg1"/>
               </a:solidFill>
@@ -4717,7 +5637,7 @@
         <p:spPr>
           <a:xfrm>
             <a:off x="4880921" y="2475358"/>
-            <a:ext cx="7170966" cy="584775"/>
+            <a:ext cx="4806776" cy="461665"/>
           </a:xfrm>
           <a:prstGeom prst="rect">
             <a:avLst/>
@@ -4733,14 +5653,14 @@
           <a:lstStyle/>
           <a:p>
             <a:r>
-              <a:rPr lang="en-US" sz="3200" dirty="0"/>
+              <a:rPr lang="en-US" sz="2400" dirty="0"/>
               <a:t>List of all foods for a given </a:t>
             </a:r>
             <a:r>
-              <a:rPr lang="en-US" sz="3200" dirty="0" err="1"/>
+              <a:rPr lang="en-US" sz="2400" dirty="0" err="1"/>
               <a:t>foodgroup</a:t>
             </a:r>
-            <a:endParaRPr lang="en-US" sz="3200" dirty="0"/>
+            <a:endParaRPr lang="en-US" sz="2400" dirty="0"/>
           </a:p>
         </p:txBody>
       </p:sp>
@@ -4759,7 +5679,7 @@
         <p:spPr>
           <a:xfrm>
             <a:off x="533465" y="3363211"/>
-            <a:ext cx="4347456" cy="584775"/>
+            <a:ext cx="4347456" cy="461665"/>
           </a:xfrm>
           <a:prstGeom prst="rect">
             <a:avLst/>
@@ -4776,7 +5696,7 @@
           <a:p>
             <a:pPr algn="ctr"/>
             <a:r>
-              <a:rPr lang="en-US" sz="3200" dirty="0">
+              <a:rPr lang="en-US" sz="2400" dirty="0">
                 <a:solidFill>
                   <a:schemeClr val="bg1"/>
                 </a:solidFill>
@@ -4801,7 +5721,7 @@
         <p:spPr>
           <a:xfrm>
             <a:off x="4880921" y="3363211"/>
-            <a:ext cx="7170966" cy="584775"/>
+            <a:ext cx="4806776" cy="461665"/>
           </a:xfrm>
           <a:prstGeom prst="rect">
             <a:avLst/>
@@ -4818,7 +5738,7 @@
           <a:p>
             <a:pPr algn="ctr"/>
             <a:r>
-              <a:rPr lang="en-US" sz="3200" dirty="0"/>
+              <a:rPr lang="en-US" sz="2400" dirty="0"/>
               <a:t>Signup + login forms</a:t>
             </a:r>
           </a:p>
@@ -4839,7 +5759,7 @@
         <p:spPr>
           <a:xfrm>
             <a:off x="533465" y="4100386"/>
-            <a:ext cx="4347456" cy="584775"/>
+            <a:ext cx="4347456" cy="461665"/>
           </a:xfrm>
           <a:prstGeom prst="rect">
             <a:avLst/>
@@ -4856,7 +5776,7 @@
           <a:p>
             <a:pPr algn="ctr"/>
             <a:r>
-              <a:rPr lang="en-US" sz="3200" dirty="0">
+              <a:rPr lang="en-US" sz="2400" dirty="0">
                 <a:solidFill>
                   <a:schemeClr val="bg1"/>
                 </a:solidFill>
@@ -4864,7 +5784,7 @@
               <a:t>/</a:t>
             </a:r>
             <a:r>
-              <a:rPr lang="en-US" sz="3200" dirty="0" err="1">
+              <a:rPr lang="en-US" sz="2400" dirty="0" err="1">
                 <a:solidFill>
                   <a:schemeClr val="bg1"/>
                 </a:solidFill>
@@ -4872,7 +5792,7 @@
               <a:t>foodItems</a:t>
             </a:r>
             <a:r>
-              <a:rPr lang="en-US" sz="3200" dirty="0">
+              <a:rPr lang="en-US" sz="2400" dirty="0">
                 <a:solidFill>
                   <a:schemeClr val="bg1"/>
                 </a:solidFill>
@@ -4897,7 +5817,7 @@
         <p:spPr>
           <a:xfrm>
             <a:off x="4880921" y="4098822"/>
-            <a:ext cx="7170966" cy="584775"/>
+            <a:ext cx="4806776" cy="461665"/>
           </a:xfrm>
           <a:prstGeom prst="rect">
             <a:avLst/>
@@ -4914,7 +5834,7 @@
           <a:p>
             <a:pPr algn="ctr"/>
             <a:r>
-              <a:rPr lang="en-US" sz="3200" dirty="0"/>
+              <a:rPr lang="en-US" sz="2400" dirty="0"/>
               <a:t>New food item to add</a:t>
             </a:r>
           </a:p>
@@ -4935,7 +5855,7 @@
         <p:spPr>
           <a:xfrm>
             <a:off x="533465" y="4835997"/>
-            <a:ext cx="4347456" cy="584775"/>
+            <a:ext cx="4347456" cy="461665"/>
           </a:xfrm>
           <a:prstGeom prst="rect">
             <a:avLst/>
@@ -4952,7 +5872,7 @@
           <a:p>
             <a:pPr algn="ctr"/>
             <a:r>
-              <a:rPr lang="en-US" sz="3200" dirty="0">
+              <a:rPr lang="en-US" sz="2400" dirty="0">
                 <a:solidFill>
                   <a:schemeClr val="bg1"/>
                 </a:solidFill>
@@ -4960,7 +5880,7 @@
               <a:t>/</a:t>
             </a:r>
             <a:r>
-              <a:rPr lang="en-US" sz="3200" dirty="0" err="1">
+              <a:rPr lang="en-US" sz="2400" dirty="0" err="1">
                 <a:solidFill>
                   <a:schemeClr val="bg1"/>
                 </a:solidFill>
@@ -4968,7 +5888,7 @@
               <a:t>foodItems</a:t>
             </a:r>
             <a:r>
-              <a:rPr lang="en-US" sz="3200" dirty="0">
+              <a:rPr lang="en-US" sz="2400" dirty="0">
                 <a:solidFill>
                   <a:schemeClr val="bg1"/>
                 </a:solidFill>
@@ -4993,7 +5913,7 @@
         <p:spPr>
           <a:xfrm>
             <a:off x="4880921" y="4834433"/>
-            <a:ext cx="7170966" cy="584775"/>
+            <a:ext cx="4806776" cy="461665"/>
           </a:xfrm>
           <a:prstGeom prst="rect">
             <a:avLst/>
@@ -5010,14 +5930,14 @@
           <a:p>
             <a:pPr algn="ctr"/>
             <a:r>
-              <a:rPr lang="en-US" sz="3200" dirty="0"/>
+              <a:rPr lang="en-US" sz="2400" dirty="0"/>
               <a:t>List all details for specific </a:t>
             </a:r>
             <a:r>
-              <a:rPr lang="en-US" sz="3200" dirty="0" err="1"/>
+              <a:rPr lang="en-US" sz="2400" dirty="0" err="1"/>
               <a:t>foodItem</a:t>
             </a:r>
-            <a:endParaRPr lang="en-US" sz="3200" dirty="0"/>
+            <a:endParaRPr lang="en-US" sz="2400" dirty="0"/>
           </a:p>
         </p:txBody>
       </p:sp>
@@ -5036,7 +5956,7 @@
         <p:spPr>
           <a:xfrm>
             <a:off x="533465" y="5548269"/>
-            <a:ext cx="4347456" cy="584775"/>
+            <a:ext cx="4347456" cy="461665"/>
           </a:xfrm>
           <a:prstGeom prst="rect">
             <a:avLst/>
@@ -5053,7 +5973,7 @@
           <a:p>
             <a:pPr algn="ctr"/>
             <a:r>
-              <a:rPr lang="en-US" sz="3200" dirty="0">
+              <a:rPr lang="en-US" sz="2400" dirty="0">
                 <a:solidFill>
                   <a:schemeClr val="bg1"/>
                 </a:solidFill>
@@ -5061,7 +5981,7 @@
               <a:t>/</a:t>
             </a:r>
             <a:r>
-              <a:rPr lang="en-US" sz="3200" dirty="0" err="1">
+              <a:rPr lang="en-US" sz="2400" dirty="0" err="1">
                 <a:solidFill>
                   <a:schemeClr val="bg1"/>
                 </a:solidFill>
@@ -5069,7 +5989,7 @@
               <a:t>foodItems</a:t>
             </a:r>
             <a:r>
-              <a:rPr lang="en-US" sz="3200" dirty="0">
+              <a:rPr lang="en-US" sz="2400" dirty="0">
                 <a:solidFill>
                   <a:schemeClr val="bg1"/>
                 </a:solidFill>
@@ -5077,14 +5997,14 @@
               <a:t>/:</a:t>
             </a:r>
             <a:r>
-              <a:rPr lang="en-US" sz="3200" dirty="0" err="1">
+              <a:rPr lang="en-US" sz="2400" dirty="0" err="1">
                 <a:solidFill>
                   <a:schemeClr val="bg1"/>
                 </a:solidFill>
               </a:rPr>
               <a:t>foodItem</a:t>
             </a:r>
-            <a:endParaRPr lang="en-US" sz="3200" dirty="0">
+            <a:endParaRPr lang="en-US" sz="2400" dirty="0">
               <a:solidFill>
                 <a:schemeClr val="bg1"/>
               </a:solidFill>
@@ -5107,7 +6027,7 @@
         <p:spPr>
           <a:xfrm>
             <a:off x="4880921" y="5546705"/>
-            <a:ext cx="7170966" cy="584775"/>
+            <a:ext cx="4806776" cy="461665"/>
           </a:xfrm>
           <a:prstGeom prst="rect">
             <a:avLst/>
@@ -5124,8 +6044,262 @@
           <a:p>
             <a:pPr algn="ctr"/>
             <a:r>
-              <a:rPr lang="en-US" sz="3200" dirty="0"/>
+              <a:rPr lang="en-US" sz="2400" dirty="0"/>
               <a:t>Update food item</a:t>
+            </a:r>
+          </a:p>
+        </p:txBody>
+      </p:sp>
+      <p:sp>
+        <p:nvSpPr>
+          <p:cNvPr id="38" name="TextBox 37">
+            <a:extLst>
+              <a:ext uri="{FF2B5EF4-FFF2-40B4-BE49-F238E27FC236}">
+                <a16:creationId xmlns:a16="http://schemas.microsoft.com/office/drawing/2014/main" id="{B580A57A-D058-E648-B02B-2CBFB73C5B06}"/>
+              </a:ext>
+            </a:extLst>
+          </p:cNvPr>
+          <p:cNvSpPr txBox="1"/>
+          <p:nvPr/>
+        </p:nvSpPr>
+        <p:spPr>
+          <a:xfrm>
+            <a:off x="9687697" y="1739935"/>
+            <a:ext cx="2491944" cy="461665"/>
+          </a:xfrm>
+          <a:prstGeom prst="rect">
+            <a:avLst/>
+          </a:prstGeom>
+          <a:solidFill>
+            <a:schemeClr val="accent6">
+              <a:lumMod val="60000"/>
+              <a:lumOff val="40000"/>
+            </a:schemeClr>
+          </a:solidFill>
+        </p:spPr>
+        <p:txBody>
+          <a:bodyPr wrap="square" rtlCol="0">
+            <a:spAutoFit/>
+          </a:bodyPr>
+          <a:lstStyle/>
+          <a:p>
+            <a:pPr algn="ctr"/>
+            <a:r>
+              <a:rPr lang="en-US" sz="2400" dirty="0"/>
+              <a:t>Always reachable</a:t>
+            </a:r>
+          </a:p>
+        </p:txBody>
+      </p:sp>
+      <p:sp>
+        <p:nvSpPr>
+          <p:cNvPr id="39" name="TextBox 38">
+            <a:extLst>
+              <a:ext uri="{FF2B5EF4-FFF2-40B4-BE49-F238E27FC236}">
+                <a16:creationId xmlns:a16="http://schemas.microsoft.com/office/drawing/2014/main" id="{7FEABFF3-33EF-BB49-9C7F-7C0B41DC4104}"/>
+              </a:ext>
+            </a:extLst>
+          </p:cNvPr>
+          <p:cNvSpPr txBox="1"/>
+          <p:nvPr/>
+        </p:nvSpPr>
+        <p:spPr>
+          <a:xfrm>
+            <a:off x="9700056" y="2475358"/>
+            <a:ext cx="2491944" cy="461665"/>
+          </a:xfrm>
+          <a:prstGeom prst="rect">
+            <a:avLst/>
+          </a:prstGeom>
+          <a:solidFill>
+            <a:schemeClr val="accent6">
+              <a:lumMod val="60000"/>
+              <a:lumOff val="40000"/>
+            </a:schemeClr>
+          </a:solidFill>
+        </p:spPr>
+        <p:txBody>
+          <a:bodyPr wrap="square" rtlCol="0">
+            <a:spAutoFit/>
+          </a:bodyPr>
+          <a:lstStyle/>
+          <a:p>
+            <a:pPr algn="ctr"/>
+            <a:r>
+              <a:rPr lang="en-US" sz="2400" dirty="0"/>
+              <a:t>Always reachable</a:t>
+            </a:r>
+          </a:p>
+        </p:txBody>
+      </p:sp>
+      <p:sp>
+        <p:nvSpPr>
+          <p:cNvPr id="40" name="TextBox 39">
+            <a:extLst>
+              <a:ext uri="{FF2B5EF4-FFF2-40B4-BE49-F238E27FC236}">
+                <a16:creationId xmlns:a16="http://schemas.microsoft.com/office/drawing/2014/main" id="{C7C2C269-F1F7-DE4C-BA1C-244AD0C81705}"/>
+              </a:ext>
+            </a:extLst>
+          </p:cNvPr>
+          <p:cNvSpPr txBox="1"/>
+          <p:nvPr/>
+        </p:nvSpPr>
+        <p:spPr>
+          <a:xfrm>
+            <a:off x="9687697" y="3386550"/>
+            <a:ext cx="2491944" cy="461665"/>
+          </a:xfrm>
+          <a:prstGeom prst="rect">
+            <a:avLst/>
+          </a:prstGeom>
+          <a:solidFill>
+            <a:schemeClr val="accent6">
+              <a:lumMod val="60000"/>
+              <a:lumOff val="40000"/>
+            </a:schemeClr>
+          </a:solidFill>
+        </p:spPr>
+        <p:txBody>
+          <a:bodyPr wrap="square" rtlCol="0">
+            <a:spAutoFit/>
+          </a:bodyPr>
+          <a:lstStyle/>
+          <a:p>
+            <a:pPr algn="ctr"/>
+            <a:r>
+              <a:rPr lang="en-US" sz="2400" dirty="0"/>
+              <a:t>Only </a:t>
+            </a:r>
+            <a:r>
+              <a:rPr lang="en-US" sz="2400" dirty="0" err="1"/>
+              <a:t>unauthenti</a:t>
+            </a:r>
+            <a:r>
+              <a:rPr lang="en-US" sz="2400" dirty="0"/>
+              <a:t>..</a:t>
+            </a:r>
+          </a:p>
+        </p:txBody>
+      </p:sp>
+      <p:sp>
+        <p:nvSpPr>
+          <p:cNvPr id="41" name="TextBox 40">
+            <a:extLst>
+              <a:ext uri="{FF2B5EF4-FFF2-40B4-BE49-F238E27FC236}">
+                <a16:creationId xmlns:a16="http://schemas.microsoft.com/office/drawing/2014/main" id="{0376475D-980D-294F-8D9E-BBC290CED064}"/>
+              </a:ext>
+            </a:extLst>
+          </p:cNvPr>
+          <p:cNvSpPr txBox="1"/>
+          <p:nvPr/>
+        </p:nvSpPr>
+        <p:spPr>
+          <a:xfrm>
+            <a:off x="9700056" y="4110491"/>
+            <a:ext cx="2491944" cy="461665"/>
+          </a:xfrm>
+          <a:prstGeom prst="rect">
+            <a:avLst/>
+          </a:prstGeom>
+          <a:solidFill>
+            <a:schemeClr val="accent6">
+              <a:lumMod val="60000"/>
+              <a:lumOff val="40000"/>
+            </a:schemeClr>
+          </a:solidFill>
+        </p:spPr>
+        <p:txBody>
+          <a:bodyPr wrap="square" rtlCol="0">
+            <a:spAutoFit/>
+          </a:bodyPr>
+          <a:lstStyle/>
+          <a:p>
+            <a:pPr algn="ctr"/>
+            <a:r>
+              <a:rPr lang="en-US" sz="2400" dirty="0"/>
+              <a:t>Only Auth</a:t>
+            </a:r>
+          </a:p>
+        </p:txBody>
+      </p:sp>
+      <p:sp>
+        <p:nvSpPr>
+          <p:cNvPr id="42" name="TextBox 41">
+            <a:extLst>
+              <a:ext uri="{FF2B5EF4-FFF2-40B4-BE49-F238E27FC236}">
+                <a16:creationId xmlns:a16="http://schemas.microsoft.com/office/drawing/2014/main" id="{CD431FB5-E95E-A745-836B-A0EB93B485CA}"/>
+              </a:ext>
+            </a:extLst>
+          </p:cNvPr>
+          <p:cNvSpPr txBox="1"/>
+          <p:nvPr/>
+        </p:nvSpPr>
+        <p:spPr>
+          <a:xfrm>
+            <a:off x="9700056" y="4802332"/>
+            <a:ext cx="2491944" cy="461665"/>
+          </a:xfrm>
+          <a:prstGeom prst="rect">
+            <a:avLst/>
+          </a:prstGeom>
+          <a:solidFill>
+            <a:schemeClr val="accent6">
+              <a:lumMod val="60000"/>
+              <a:lumOff val="40000"/>
+            </a:schemeClr>
+          </a:solidFill>
+        </p:spPr>
+        <p:txBody>
+          <a:bodyPr wrap="square" rtlCol="0">
+            <a:spAutoFit/>
+          </a:bodyPr>
+          <a:lstStyle/>
+          <a:p>
+            <a:pPr algn="ctr"/>
+            <a:r>
+              <a:rPr lang="en-US" sz="2400" dirty="0"/>
+              <a:t>Always reachable</a:t>
+            </a:r>
+          </a:p>
+        </p:txBody>
+      </p:sp>
+      <p:sp>
+        <p:nvSpPr>
+          <p:cNvPr id="43" name="TextBox 42">
+            <a:extLst>
+              <a:ext uri="{FF2B5EF4-FFF2-40B4-BE49-F238E27FC236}">
+                <a16:creationId xmlns:a16="http://schemas.microsoft.com/office/drawing/2014/main" id="{CB04A851-DF43-724D-AF45-0573493BA99C}"/>
+              </a:ext>
+            </a:extLst>
+          </p:cNvPr>
+          <p:cNvSpPr txBox="1"/>
+          <p:nvPr/>
+        </p:nvSpPr>
+        <p:spPr>
+          <a:xfrm>
+            <a:off x="9700056" y="5546705"/>
+            <a:ext cx="2491944" cy="461665"/>
+          </a:xfrm>
+          <a:prstGeom prst="rect">
+            <a:avLst/>
+          </a:prstGeom>
+          <a:solidFill>
+            <a:schemeClr val="accent6">
+              <a:lumMod val="60000"/>
+              <a:lumOff val="40000"/>
+            </a:schemeClr>
+          </a:solidFill>
+        </p:spPr>
+        <p:txBody>
+          <a:bodyPr wrap="square" rtlCol="0">
+            <a:spAutoFit/>
+          </a:bodyPr>
+          <a:lstStyle/>
+          <a:p>
+            <a:pPr algn="ctr"/>
+            <a:r>
+              <a:rPr lang="en-US" sz="2400" dirty="0"/>
+              <a:t>Only Auth</a:t>
             </a:r>
           </a:p>
         </p:txBody>
@@ -5134,6 +6308,582 @@
     <p:extLst>
       <p:ext uri="{BB962C8B-B14F-4D97-AF65-F5344CB8AC3E}">
         <p14:creationId xmlns:p14="http://schemas.microsoft.com/office/powerpoint/2010/main" val="920703229"/>
+      </p:ext>
+    </p:extLst>
+  </p:cSld>
+  <p:clrMapOvr>
+    <a:masterClrMapping/>
+  </p:clrMapOvr>
+</p:sld>
+</file>
+
+<file path=ppt/slides/slide9.xml><?xml version="1.0" encoding="utf-8"?>
+<p:sld xmlns:a="http://schemas.openxmlformats.org/drawingml/2006/main" xmlns:r="http://schemas.openxmlformats.org/officeDocument/2006/relationships" xmlns:p="http://schemas.openxmlformats.org/presentationml/2006/main">
+  <p:cSld>
+    <p:spTree>
+      <p:nvGrpSpPr>
+        <p:cNvPr id="1" name=""/>
+        <p:cNvGrpSpPr/>
+        <p:nvPr/>
+      </p:nvGrpSpPr>
+      <p:grpSpPr>
+        <a:xfrm>
+          <a:off x="0" y="0"/>
+          <a:ext cx="0" cy="0"/>
+          <a:chOff x="0" y="0"/>
+          <a:chExt cx="0" cy="0"/>
+        </a:xfrm>
+      </p:grpSpPr>
+      <p:sp>
+        <p:nvSpPr>
+          <p:cNvPr id="2" name="TextBox 1">
+            <a:extLst>
+              <a:ext uri="{FF2B5EF4-FFF2-40B4-BE49-F238E27FC236}">
+                <a16:creationId xmlns:a16="http://schemas.microsoft.com/office/drawing/2014/main" id="{3505BEC9-C84F-A14E-B8E9-80B927A45BDF}"/>
+              </a:ext>
+            </a:extLst>
+          </p:cNvPr>
+          <p:cNvSpPr txBox="1"/>
+          <p:nvPr/>
+        </p:nvSpPr>
+        <p:spPr>
+          <a:xfrm>
+            <a:off x="4025461" y="0"/>
+            <a:ext cx="3571042" cy="707886"/>
+          </a:xfrm>
+          <a:prstGeom prst="rect">
+            <a:avLst/>
+          </a:prstGeom>
+          <a:noFill/>
+        </p:spPr>
+        <p:txBody>
+          <a:bodyPr wrap="none" rtlCol="0">
+            <a:spAutoFit/>
+          </a:bodyPr>
+          <a:lstStyle/>
+          <a:p>
+            <a:r>
+              <a:rPr lang="en-US" sz="4000" dirty="0"/>
+              <a:t>Application data</a:t>
+            </a:r>
+          </a:p>
+        </p:txBody>
+      </p:sp>
+      <p:sp>
+        <p:nvSpPr>
+          <p:cNvPr id="21" name="TextBox 20">
+            <a:extLst>
+              <a:ext uri="{FF2B5EF4-FFF2-40B4-BE49-F238E27FC236}">
+                <a16:creationId xmlns:a16="http://schemas.microsoft.com/office/drawing/2014/main" id="{8C5C1D5B-7D34-E146-BA56-6ABCDCDA1CA4}"/>
+              </a:ext>
+            </a:extLst>
+          </p:cNvPr>
+          <p:cNvSpPr txBox="1"/>
+          <p:nvPr/>
+        </p:nvSpPr>
+        <p:spPr>
+          <a:xfrm>
+            <a:off x="967189" y="1339924"/>
+            <a:ext cx="3058272" cy="400110"/>
+          </a:xfrm>
+          <a:prstGeom prst="rect">
+            <a:avLst/>
+          </a:prstGeom>
+          <a:solidFill>
+            <a:srgbClr val="8B373D"/>
+          </a:solidFill>
+        </p:spPr>
+        <p:txBody>
+          <a:bodyPr wrap="square" rtlCol="0">
+            <a:spAutoFit/>
+          </a:bodyPr>
+          <a:lstStyle/>
+          <a:p>
+            <a:pPr algn="ctr"/>
+            <a:r>
+              <a:rPr lang="en-US" sz="2000" dirty="0">
+                <a:solidFill>
+                  <a:schemeClr val="bg1"/>
+                </a:solidFill>
+              </a:rPr>
+              <a:t>User(s)</a:t>
+            </a:r>
+          </a:p>
+        </p:txBody>
+      </p:sp>
+      <p:sp>
+        <p:nvSpPr>
+          <p:cNvPr id="22" name="TextBox 21">
+            <a:extLst>
+              <a:ext uri="{FF2B5EF4-FFF2-40B4-BE49-F238E27FC236}">
+                <a16:creationId xmlns:a16="http://schemas.microsoft.com/office/drawing/2014/main" id="{6AC9B9F1-20AE-D540-9F61-14195B8B6A72}"/>
+              </a:ext>
+            </a:extLst>
+          </p:cNvPr>
+          <p:cNvSpPr txBox="1"/>
+          <p:nvPr/>
+        </p:nvSpPr>
+        <p:spPr>
+          <a:xfrm>
+            <a:off x="967188" y="1740034"/>
+            <a:ext cx="3058273" cy="1323439"/>
+          </a:xfrm>
+          <a:prstGeom prst="rect">
+            <a:avLst/>
+          </a:prstGeom>
+          <a:solidFill>
+            <a:srgbClr val="E1ABC7"/>
+          </a:solidFill>
+        </p:spPr>
+        <p:txBody>
+          <a:bodyPr wrap="square" rtlCol="0">
+            <a:spAutoFit/>
+          </a:bodyPr>
+          <a:lstStyle/>
+          <a:p>
+            <a:r>
+              <a:rPr lang="en-US" sz="2000" dirty="0"/>
+              <a:t>name (Optional)</a:t>
+            </a:r>
+          </a:p>
+          <a:p>
+            <a:r>
+              <a:rPr lang="en-US" sz="2000" dirty="0"/>
+              <a:t>email</a:t>
+            </a:r>
+          </a:p>
+          <a:p>
+            <a:r>
+              <a:rPr lang="en-US" sz="2000" dirty="0"/>
+              <a:t>password</a:t>
+            </a:r>
+          </a:p>
+          <a:p>
+            <a:r>
+              <a:rPr lang="en-US" sz="2000" dirty="0"/>
+              <a:t>image (Optional)</a:t>
+            </a:r>
+          </a:p>
+        </p:txBody>
+      </p:sp>
+      <p:sp>
+        <p:nvSpPr>
+          <p:cNvPr id="23" name="TextBox 22">
+            <a:extLst>
+              <a:ext uri="{FF2B5EF4-FFF2-40B4-BE49-F238E27FC236}">
+                <a16:creationId xmlns:a16="http://schemas.microsoft.com/office/drawing/2014/main" id="{1938DBD1-D76F-8E42-A3BD-EDAC94EA9373}"/>
+              </a:ext>
+            </a:extLst>
+          </p:cNvPr>
+          <p:cNvSpPr txBox="1"/>
+          <p:nvPr/>
+        </p:nvSpPr>
+        <p:spPr>
+          <a:xfrm>
+            <a:off x="967189" y="3279161"/>
+            <a:ext cx="3058272" cy="400110"/>
+          </a:xfrm>
+          <a:prstGeom prst="rect">
+            <a:avLst/>
+          </a:prstGeom>
+          <a:solidFill>
+            <a:srgbClr val="8B373D"/>
+          </a:solidFill>
+        </p:spPr>
+        <p:txBody>
+          <a:bodyPr wrap="square" rtlCol="0">
+            <a:spAutoFit/>
+          </a:bodyPr>
+          <a:lstStyle/>
+          <a:p>
+            <a:pPr algn="ctr"/>
+            <a:r>
+              <a:rPr lang="en-US" sz="2000" dirty="0">
+                <a:solidFill>
+                  <a:schemeClr val="bg1"/>
+                </a:solidFill>
+              </a:rPr>
+              <a:t>Food(s)</a:t>
+            </a:r>
+          </a:p>
+        </p:txBody>
+      </p:sp>
+      <p:sp>
+        <p:nvSpPr>
+          <p:cNvPr id="26" name="TextBox 25">
+            <a:extLst>
+              <a:ext uri="{FF2B5EF4-FFF2-40B4-BE49-F238E27FC236}">
+                <a16:creationId xmlns:a16="http://schemas.microsoft.com/office/drawing/2014/main" id="{2EDE56BE-7DC0-6646-A8F2-F9E702D964A8}"/>
+              </a:ext>
+            </a:extLst>
+          </p:cNvPr>
+          <p:cNvSpPr txBox="1"/>
+          <p:nvPr/>
+        </p:nvSpPr>
+        <p:spPr>
+          <a:xfrm>
+            <a:off x="967188" y="3679271"/>
+            <a:ext cx="3058273" cy="2554545"/>
+          </a:xfrm>
+          <a:prstGeom prst="rect">
+            <a:avLst/>
+          </a:prstGeom>
+          <a:solidFill>
+            <a:srgbClr val="E1ABC7"/>
+          </a:solidFill>
+        </p:spPr>
+        <p:txBody>
+          <a:bodyPr wrap="square" rtlCol="0">
+            <a:spAutoFit/>
+          </a:bodyPr>
+          <a:lstStyle/>
+          <a:p>
+            <a:r>
+              <a:rPr lang="en-US" sz="2000" dirty="0" err="1"/>
+              <a:t>foodid</a:t>
+            </a:r>
+            <a:endParaRPr lang="en-US" sz="2000" dirty="0"/>
+          </a:p>
+          <a:p>
+            <a:r>
+              <a:rPr lang="en-US" sz="2000" dirty="0" err="1"/>
+              <a:t>foodname</a:t>
+            </a:r>
+            <a:endParaRPr lang="en-US" sz="2000" dirty="0"/>
+          </a:p>
+          <a:p>
+            <a:r>
+              <a:rPr lang="en-US" sz="2000" dirty="0"/>
+              <a:t>details (Optional)</a:t>
+            </a:r>
+          </a:p>
+          <a:p>
+            <a:r>
+              <a:rPr lang="en-US" sz="2000" dirty="0" err="1"/>
+              <a:t>expirydate</a:t>
+            </a:r>
+            <a:r>
+              <a:rPr lang="en-US" sz="2000" dirty="0"/>
+              <a:t> (Optional)</a:t>
+            </a:r>
+          </a:p>
+          <a:p>
+            <a:r>
+              <a:rPr lang="en-US" sz="2000" dirty="0"/>
+              <a:t>qty</a:t>
+            </a:r>
+          </a:p>
+          <a:p>
+            <a:r>
+              <a:rPr lang="en-US" sz="2000" dirty="0" err="1"/>
+              <a:t>datebought</a:t>
+            </a:r>
+            <a:r>
+              <a:rPr lang="en-US" sz="2000" dirty="0"/>
+              <a:t> (System added)</a:t>
+            </a:r>
+          </a:p>
+          <a:p>
+            <a:r>
+              <a:rPr lang="en-US" sz="2000" dirty="0"/>
+              <a:t>comments (Optional)</a:t>
+            </a:r>
+          </a:p>
+          <a:p>
+            <a:r>
+              <a:rPr lang="en-US" sz="2000" dirty="0" err="1"/>
+              <a:t>foodgroupid</a:t>
+            </a:r>
+            <a:r>
+              <a:rPr lang="en-US" sz="2000" dirty="0"/>
+              <a:t>: ref</a:t>
+            </a:r>
+          </a:p>
+        </p:txBody>
+      </p:sp>
+      <p:sp>
+        <p:nvSpPr>
+          <p:cNvPr id="27" name="TextBox 26">
+            <a:extLst>
+              <a:ext uri="{FF2B5EF4-FFF2-40B4-BE49-F238E27FC236}">
+                <a16:creationId xmlns:a16="http://schemas.microsoft.com/office/drawing/2014/main" id="{68480746-C0E9-8A42-B36D-ABE94F532F89}"/>
+              </a:ext>
+            </a:extLst>
+          </p:cNvPr>
+          <p:cNvSpPr txBox="1"/>
+          <p:nvPr/>
+        </p:nvSpPr>
+        <p:spPr>
+          <a:xfrm>
+            <a:off x="4538231" y="3279161"/>
+            <a:ext cx="3058272" cy="400110"/>
+          </a:xfrm>
+          <a:prstGeom prst="rect">
+            <a:avLst/>
+          </a:prstGeom>
+          <a:solidFill>
+            <a:srgbClr val="8B373D"/>
+          </a:solidFill>
+        </p:spPr>
+        <p:txBody>
+          <a:bodyPr wrap="square" rtlCol="0">
+            <a:spAutoFit/>
+          </a:bodyPr>
+          <a:lstStyle/>
+          <a:p>
+            <a:pPr algn="ctr"/>
+            <a:r>
+              <a:rPr lang="en-US" sz="2000" dirty="0" err="1">
+                <a:solidFill>
+                  <a:schemeClr val="bg1"/>
+                </a:solidFill>
+              </a:rPr>
+              <a:t>FoodGroup</a:t>
+            </a:r>
+            <a:r>
+              <a:rPr lang="en-US" sz="2000" dirty="0">
+                <a:solidFill>
+                  <a:schemeClr val="bg1"/>
+                </a:solidFill>
+              </a:rPr>
+              <a:t>(s)</a:t>
+            </a:r>
+          </a:p>
+        </p:txBody>
+      </p:sp>
+      <p:sp>
+        <p:nvSpPr>
+          <p:cNvPr id="36" name="TextBox 35">
+            <a:extLst>
+              <a:ext uri="{FF2B5EF4-FFF2-40B4-BE49-F238E27FC236}">
+                <a16:creationId xmlns:a16="http://schemas.microsoft.com/office/drawing/2014/main" id="{CB9FA6F9-7D85-7343-AD94-D475AC1A71E7}"/>
+              </a:ext>
+            </a:extLst>
+          </p:cNvPr>
+          <p:cNvSpPr txBox="1"/>
+          <p:nvPr/>
+        </p:nvSpPr>
+        <p:spPr>
+          <a:xfrm>
+            <a:off x="4538230" y="3679271"/>
+            <a:ext cx="3058273" cy="1015663"/>
+          </a:xfrm>
+          <a:prstGeom prst="rect">
+            <a:avLst/>
+          </a:prstGeom>
+          <a:solidFill>
+            <a:srgbClr val="E1ABC7"/>
+          </a:solidFill>
+        </p:spPr>
+        <p:txBody>
+          <a:bodyPr wrap="square" rtlCol="0">
+            <a:spAutoFit/>
+          </a:bodyPr>
+          <a:lstStyle/>
+          <a:p>
+            <a:r>
+              <a:rPr lang="en-US" sz="2000" dirty="0" err="1"/>
+              <a:t>foodgroupid</a:t>
+            </a:r>
+            <a:endParaRPr lang="en-US" sz="2000" dirty="0"/>
+          </a:p>
+          <a:p>
+            <a:r>
+              <a:rPr lang="en-US" sz="2000" dirty="0" err="1"/>
+              <a:t>foodgroupname</a:t>
+            </a:r>
+            <a:endParaRPr lang="en-US" sz="2000" dirty="0"/>
+          </a:p>
+          <a:p>
+            <a:r>
+              <a:rPr lang="en-US" sz="2000" dirty="0" err="1"/>
+              <a:t>foodid</a:t>
+            </a:r>
+            <a:r>
+              <a:rPr lang="en-US" sz="2000" dirty="0"/>
+              <a:t>: ref</a:t>
+            </a:r>
+          </a:p>
+        </p:txBody>
+      </p:sp>
+      <p:cxnSp>
+        <p:nvCxnSpPr>
+          <p:cNvPr id="15" name="Elbow Connector 14">
+            <a:extLst>
+              <a:ext uri="{FF2B5EF4-FFF2-40B4-BE49-F238E27FC236}">
+                <a16:creationId xmlns:a16="http://schemas.microsoft.com/office/drawing/2014/main" id="{407E36B2-CA1E-0243-A7B2-FB4913190D67}"/>
+              </a:ext>
+            </a:extLst>
+          </p:cNvPr>
+          <p:cNvCxnSpPr>
+            <a:stCxn id="26" idx="2"/>
+            <a:endCxn id="36" idx="3"/>
+          </p:cNvCxnSpPr>
+          <p:nvPr/>
+        </p:nvCxnSpPr>
+        <p:spPr>
+          <a:xfrm rot="5400000" flipH="1" flipV="1">
+            <a:off x="4023057" y="2660371"/>
+            <a:ext cx="2046713" cy="5100178"/>
+          </a:xfrm>
+          <a:prstGeom prst="bentConnector4">
+            <a:avLst>
+              <a:gd name="adj1" fmla="val -11169"/>
+              <a:gd name="adj2" fmla="val 104482"/>
+            </a:avLst>
+          </a:prstGeom>
+          <a:ln>
+            <a:tailEnd type="triangle"/>
+          </a:ln>
+        </p:spPr>
+        <p:style>
+          <a:lnRef idx="1">
+            <a:schemeClr val="accent1"/>
+          </a:lnRef>
+          <a:fillRef idx="0">
+            <a:schemeClr val="accent1"/>
+          </a:fillRef>
+          <a:effectRef idx="0">
+            <a:schemeClr val="accent1"/>
+          </a:effectRef>
+          <a:fontRef idx="minor">
+            <a:schemeClr val="tx1"/>
+          </a:fontRef>
+        </p:style>
+      </p:cxnSp>
+      <p:sp>
+        <p:nvSpPr>
+          <p:cNvPr id="16" name="TextBox 15">
+            <a:extLst>
+              <a:ext uri="{FF2B5EF4-FFF2-40B4-BE49-F238E27FC236}">
+                <a16:creationId xmlns:a16="http://schemas.microsoft.com/office/drawing/2014/main" id="{9E12F4CE-89A8-814E-ADAE-BD5BF326FEB0}"/>
+              </a:ext>
+            </a:extLst>
+          </p:cNvPr>
+          <p:cNvSpPr txBox="1"/>
+          <p:nvPr/>
+        </p:nvSpPr>
+        <p:spPr>
+          <a:xfrm>
+            <a:off x="3062505" y="6495671"/>
+            <a:ext cx="4533998" cy="369332"/>
+          </a:xfrm>
+          <a:prstGeom prst="rect">
+            <a:avLst/>
+          </a:prstGeom>
+          <a:noFill/>
+        </p:spPr>
+        <p:txBody>
+          <a:bodyPr wrap="none" rtlCol="0">
+            <a:spAutoFit/>
+          </a:bodyPr>
+          <a:lstStyle/>
+          <a:p>
+            <a:r>
+              <a:rPr lang="en-US" dirty="0"/>
+              <a:t>One food can belong to exactly one </a:t>
+            </a:r>
+            <a:r>
+              <a:rPr lang="en-US" dirty="0" err="1"/>
+              <a:t>foodgroup</a:t>
+            </a:r>
+            <a:endParaRPr lang="en-US" dirty="0"/>
+          </a:p>
+        </p:txBody>
+      </p:sp>
+      <p:cxnSp>
+        <p:nvCxnSpPr>
+          <p:cNvPr id="18" name="Elbow Connector 17">
+            <a:extLst>
+              <a:ext uri="{FF2B5EF4-FFF2-40B4-BE49-F238E27FC236}">
+                <a16:creationId xmlns:a16="http://schemas.microsoft.com/office/drawing/2014/main" id="{1AF87E44-16F9-734B-9F77-CA21438A9945}"/>
+              </a:ext>
+            </a:extLst>
+          </p:cNvPr>
+          <p:cNvCxnSpPr>
+            <a:stCxn id="36" idx="2"/>
+          </p:cNvCxnSpPr>
+          <p:nvPr/>
+        </p:nvCxnSpPr>
+        <p:spPr>
+          <a:xfrm rot="5400000">
+            <a:off x="4524559" y="4195838"/>
+            <a:ext cx="1043713" cy="2041905"/>
+          </a:xfrm>
+          <a:prstGeom prst="bentConnector2">
+            <a:avLst/>
+          </a:prstGeom>
+          <a:ln>
+            <a:tailEnd type="triangle"/>
+          </a:ln>
+        </p:spPr>
+        <p:style>
+          <a:lnRef idx="1">
+            <a:schemeClr val="accent1"/>
+          </a:lnRef>
+          <a:fillRef idx="0">
+            <a:schemeClr val="accent1"/>
+          </a:fillRef>
+          <a:effectRef idx="0">
+            <a:schemeClr val="accent1"/>
+          </a:effectRef>
+          <a:fontRef idx="minor">
+            <a:schemeClr val="tx1"/>
+          </a:fontRef>
+        </p:style>
+      </p:cxnSp>
+      <p:sp>
+        <p:nvSpPr>
+          <p:cNvPr id="44" name="TextBox 43">
+            <a:extLst>
+              <a:ext uri="{FF2B5EF4-FFF2-40B4-BE49-F238E27FC236}">
+                <a16:creationId xmlns:a16="http://schemas.microsoft.com/office/drawing/2014/main" id="{496EFCD4-640A-0842-9E95-D38F38DB891D}"/>
+              </a:ext>
+            </a:extLst>
+          </p:cNvPr>
+          <p:cNvSpPr txBox="1"/>
+          <p:nvPr/>
+        </p:nvSpPr>
+        <p:spPr>
+          <a:xfrm>
+            <a:off x="3950630" y="4401624"/>
+            <a:ext cx="4427174" cy="369332"/>
+          </a:xfrm>
+          <a:prstGeom prst="rect">
+            <a:avLst/>
+          </a:prstGeom>
+          <a:noFill/>
+        </p:spPr>
+        <p:txBody>
+          <a:bodyPr wrap="none" rtlCol="0">
+            <a:spAutoFit/>
+          </a:bodyPr>
+          <a:lstStyle/>
+          <a:p>
+            <a:r>
+              <a:rPr lang="en-US" dirty="0"/>
+              <a:t>One </a:t>
+            </a:r>
+            <a:r>
+              <a:rPr lang="en-US" dirty="0" err="1"/>
+              <a:t>foodgroup</a:t>
+            </a:r>
+            <a:r>
+              <a:rPr lang="en-US" dirty="0"/>
+              <a:t> can have multiple </a:t>
+            </a:r>
+            <a:r>
+              <a:rPr lang="en-US" dirty="0" err="1"/>
+              <a:t>foodnames</a:t>
+            </a:r>
+            <a:endParaRPr lang="en-US" dirty="0"/>
+          </a:p>
+        </p:txBody>
+      </p:sp>
+    </p:spTree>
+    <p:extLst>
+      <p:ext uri="{BB962C8B-B14F-4D97-AF65-F5344CB8AC3E}">
+        <p14:creationId xmlns:p14="http://schemas.microsoft.com/office/powerpoint/2010/main" val="2920146851"/>
       </p:ext>
     </p:extLst>
   </p:cSld>

--- a/wireframes/wireframes.pptx
+++ b/wireframes/wireframes.pptx
@@ -268,7 +268,7 @@
           <a:p>
             <a:fld id="{CE5C1B82-FF87-5E43-9112-610624864079}" type="datetimeFigureOut">
               <a:rPr lang="en-US" smtClean="0"/>
-              <a:t>7/1/20</a:t>
+              <a:t>7/13/20</a:t>
             </a:fld>
             <a:endParaRPr lang="en-US"/>
           </a:p>
@@ -466,7 +466,7 @@
           <a:p>
             <a:fld id="{CE5C1B82-FF87-5E43-9112-610624864079}" type="datetimeFigureOut">
               <a:rPr lang="en-US" smtClean="0"/>
-              <a:t>7/1/20</a:t>
+              <a:t>7/13/20</a:t>
             </a:fld>
             <a:endParaRPr lang="en-US"/>
           </a:p>
@@ -674,7 +674,7 @@
           <a:p>
             <a:fld id="{CE5C1B82-FF87-5E43-9112-610624864079}" type="datetimeFigureOut">
               <a:rPr lang="en-US" smtClean="0"/>
-              <a:t>7/1/20</a:t>
+              <a:t>7/13/20</a:t>
             </a:fld>
             <a:endParaRPr lang="en-US"/>
           </a:p>
@@ -872,7 +872,7 @@
           <a:p>
             <a:fld id="{CE5C1B82-FF87-5E43-9112-610624864079}" type="datetimeFigureOut">
               <a:rPr lang="en-US" smtClean="0"/>
-              <a:t>7/1/20</a:t>
+              <a:t>7/13/20</a:t>
             </a:fld>
             <a:endParaRPr lang="en-US"/>
           </a:p>
@@ -1147,7 +1147,7 @@
           <a:p>
             <a:fld id="{CE5C1B82-FF87-5E43-9112-610624864079}" type="datetimeFigureOut">
               <a:rPr lang="en-US" smtClean="0"/>
-              <a:t>7/1/20</a:t>
+              <a:t>7/13/20</a:t>
             </a:fld>
             <a:endParaRPr lang="en-US"/>
           </a:p>
@@ -1412,7 +1412,7 @@
           <a:p>
             <a:fld id="{CE5C1B82-FF87-5E43-9112-610624864079}" type="datetimeFigureOut">
               <a:rPr lang="en-US" smtClean="0"/>
-              <a:t>7/1/20</a:t>
+              <a:t>7/13/20</a:t>
             </a:fld>
             <a:endParaRPr lang="en-US"/>
           </a:p>
@@ -1824,7 +1824,7 @@
           <a:p>
             <a:fld id="{CE5C1B82-FF87-5E43-9112-610624864079}" type="datetimeFigureOut">
               <a:rPr lang="en-US" smtClean="0"/>
-              <a:t>7/1/20</a:t>
+              <a:t>7/13/20</a:t>
             </a:fld>
             <a:endParaRPr lang="en-US"/>
           </a:p>
@@ -1965,7 +1965,7 @@
           <a:p>
             <a:fld id="{CE5C1B82-FF87-5E43-9112-610624864079}" type="datetimeFigureOut">
               <a:rPr lang="en-US" smtClean="0"/>
-              <a:t>7/1/20</a:t>
+              <a:t>7/13/20</a:t>
             </a:fld>
             <a:endParaRPr lang="en-US"/>
           </a:p>
@@ -2078,7 +2078,7 @@
           <a:p>
             <a:fld id="{CE5C1B82-FF87-5E43-9112-610624864079}" type="datetimeFigureOut">
               <a:rPr lang="en-US" smtClean="0"/>
-              <a:t>7/1/20</a:t>
+              <a:t>7/13/20</a:t>
             </a:fld>
             <a:endParaRPr lang="en-US"/>
           </a:p>
@@ -2389,7 +2389,7 @@
           <a:p>
             <a:fld id="{CE5C1B82-FF87-5E43-9112-610624864079}" type="datetimeFigureOut">
               <a:rPr lang="en-US" smtClean="0"/>
-              <a:t>7/1/20</a:t>
+              <a:t>7/13/20</a:t>
             </a:fld>
             <a:endParaRPr lang="en-US"/>
           </a:p>
@@ -2677,7 +2677,7 @@
           <a:p>
             <a:fld id="{CE5C1B82-FF87-5E43-9112-610624864079}" type="datetimeFigureOut">
               <a:rPr lang="en-US" smtClean="0"/>
-              <a:t>7/1/20</a:t>
+              <a:t>7/13/20</a:t>
             </a:fld>
             <a:endParaRPr lang="en-US"/>
           </a:p>
@@ -2918,7 +2918,7 @@
           <a:p>
             <a:fld id="{CE5C1B82-FF87-5E43-9112-610624864079}" type="datetimeFigureOut">
               <a:rPr lang="en-US" smtClean="0"/>
-              <a:t>7/1/20</a:t>
+              <a:t>7/13/20</a:t>
             </a:fld>
             <a:endParaRPr lang="en-US"/>
           </a:p>
@@ -4976,7 +4976,259 @@
                   <a:schemeClr val="bg1"/>
                 </a:solidFill>
               </a:rPr>
-              <a:t>GET ../food/:</a:t>
+              <a:t>GET /</a:t>
+            </a:r>
+            <a:r>
+              <a:rPr lang="en-US" sz="3200" dirty="0" err="1">
+                <a:solidFill>
+                  <a:schemeClr val="bg1"/>
+                </a:solidFill>
+              </a:rPr>
+              <a:t>api</a:t>
+            </a:r>
+            <a:r>
+              <a:rPr lang="en-US" sz="3200" dirty="0">
+                <a:solidFill>
+                  <a:schemeClr val="bg1"/>
+                </a:solidFill>
+              </a:rPr>
+              <a:t>/</a:t>
+            </a:r>
+            <a:r>
+              <a:rPr lang="en-US" sz="3200" dirty="0" err="1">
+                <a:solidFill>
+                  <a:schemeClr val="bg1"/>
+                </a:solidFill>
+              </a:rPr>
+              <a:t>foodgroups</a:t>
+            </a:r>
+            <a:r>
+              <a:rPr lang="en-US" sz="3200" dirty="0">
+                <a:solidFill>
+                  <a:schemeClr val="bg1"/>
+                </a:solidFill>
+              </a:rPr>
+              <a:t>/</a:t>
+            </a:r>
+          </a:p>
+        </p:txBody>
+      </p:sp>
+      <p:sp>
+        <p:nvSpPr>
+          <p:cNvPr id="15" name="TextBox 14">
+            <a:extLst>
+              <a:ext uri="{FF2B5EF4-FFF2-40B4-BE49-F238E27FC236}">
+                <a16:creationId xmlns:a16="http://schemas.microsoft.com/office/drawing/2014/main" id="{E90DDF19-9586-B648-B006-A2A5C6FE66D5}"/>
+              </a:ext>
+            </a:extLst>
+          </p:cNvPr>
+          <p:cNvSpPr txBox="1"/>
+          <p:nvPr/>
+        </p:nvSpPr>
+        <p:spPr>
+          <a:xfrm>
+            <a:off x="3277587" y="4571510"/>
+            <a:ext cx="4099383" cy="1077218"/>
+          </a:xfrm>
+          <a:prstGeom prst="rect">
+            <a:avLst/>
+          </a:prstGeom>
+          <a:solidFill>
+            <a:schemeClr val="accent4">
+              <a:lumMod val="40000"/>
+              <a:lumOff val="60000"/>
+            </a:schemeClr>
+          </a:solidFill>
+        </p:spPr>
+        <p:txBody>
+          <a:bodyPr wrap="square" rtlCol="0">
+            <a:spAutoFit/>
+          </a:bodyPr>
+          <a:lstStyle/>
+          <a:p>
+            <a:r>
+              <a:rPr lang="en-US" sz="3200" dirty="0"/>
+              <a:t>Retrieve list of all foods for a given </a:t>
+            </a:r>
+            <a:r>
+              <a:rPr lang="en-US" sz="3200" dirty="0" err="1"/>
+              <a:t>foodgroup</a:t>
+            </a:r>
+            <a:endParaRPr lang="en-US" sz="3200" dirty="0"/>
+          </a:p>
+        </p:txBody>
+      </p:sp>
+      <p:sp>
+        <p:nvSpPr>
+          <p:cNvPr id="18" name="TextBox 17">
+            <a:extLst>
+              <a:ext uri="{FF2B5EF4-FFF2-40B4-BE49-F238E27FC236}">
+                <a16:creationId xmlns:a16="http://schemas.microsoft.com/office/drawing/2014/main" id="{2BF0138F-CDAC-F342-9058-9855E4FB2D1E}"/>
+              </a:ext>
+            </a:extLst>
+          </p:cNvPr>
+          <p:cNvSpPr txBox="1"/>
+          <p:nvPr/>
+        </p:nvSpPr>
+        <p:spPr>
+          <a:xfrm>
+            <a:off x="7507662" y="2065139"/>
+            <a:ext cx="4099381" cy="584775"/>
+          </a:xfrm>
+          <a:prstGeom prst="rect">
+            <a:avLst/>
+          </a:prstGeom>
+          <a:solidFill>
+            <a:srgbClr val="FFC000"/>
+          </a:solidFill>
+        </p:spPr>
+        <p:txBody>
+          <a:bodyPr wrap="square" rtlCol="0">
+            <a:spAutoFit/>
+          </a:bodyPr>
+          <a:lstStyle/>
+          <a:p>
+            <a:r>
+              <a:rPr lang="en-US" sz="3200" dirty="0">
+                <a:solidFill>
+                  <a:schemeClr val="bg1"/>
+                </a:solidFill>
+              </a:rPr>
+              <a:t>POST ./</a:t>
+            </a:r>
+            <a:r>
+              <a:rPr lang="en-US" sz="3200" dirty="0" err="1">
+                <a:solidFill>
+                  <a:schemeClr val="bg1"/>
+                </a:solidFill>
+              </a:rPr>
+              <a:t>api</a:t>
+            </a:r>
+            <a:r>
+              <a:rPr lang="en-US" sz="3200" dirty="0">
+                <a:solidFill>
+                  <a:schemeClr val="bg1"/>
+                </a:solidFill>
+              </a:rPr>
+              <a:t>/</a:t>
+            </a:r>
+            <a:r>
+              <a:rPr lang="en-US" sz="3200" dirty="0" err="1">
+                <a:solidFill>
+                  <a:schemeClr val="bg1"/>
+                </a:solidFill>
+              </a:rPr>
+              <a:t>foodgroups</a:t>
+            </a:r>
+            <a:r>
+              <a:rPr lang="en-US" sz="3200" dirty="0">
+                <a:solidFill>
+                  <a:schemeClr val="bg1"/>
+                </a:solidFill>
+              </a:rPr>
+              <a:t>/</a:t>
+            </a:r>
+          </a:p>
+        </p:txBody>
+      </p:sp>
+      <p:sp>
+        <p:nvSpPr>
+          <p:cNvPr id="19" name="TextBox 18">
+            <a:extLst>
+              <a:ext uri="{FF2B5EF4-FFF2-40B4-BE49-F238E27FC236}">
+                <a16:creationId xmlns:a16="http://schemas.microsoft.com/office/drawing/2014/main" id="{13B19048-13FC-284D-9A2E-39FF91E6DE53}"/>
+              </a:ext>
+            </a:extLst>
+          </p:cNvPr>
+          <p:cNvSpPr txBox="1"/>
+          <p:nvPr/>
+        </p:nvSpPr>
+        <p:spPr>
+          <a:xfrm>
+            <a:off x="7507662" y="2649914"/>
+            <a:ext cx="4099382" cy="1077218"/>
+          </a:xfrm>
+          <a:prstGeom prst="rect">
+            <a:avLst/>
+          </a:prstGeom>
+          <a:solidFill>
+            <a:schemeClr val="accent4">
+              <a:lumMod val="40000"/>
+              <a:lumOff val="60000"/>
+            </a:schemeClr>
+          </a:solidFill>
+        </p:spPr>
+        <p:txBody>
+          <a:bodyPr wrap="square" rtlCol="0">
+            <a:spAutoFit/>
+          </a:bodyPr>
+          <a:lstStyle/>
+          <a:p>
+            <a:r>
+              <a:rPr lang="en-US" sz="3200" dirty="0"/>
+              <a:t>Create a new </a:t>
+            </a:r>
+            <a:r>
+              <a:rPr lang="en-US" sz="3200" dirty="0" err="1"/>
+              <a:t>foodgroup</a:t>
+            </a:r>
+            <a:endParaRPr lang="en-US" sz="3200" dirty="0"/>
+          </a:p>
+        </p:txBody>
+      </p:sp>
+      <p:sp>
+        <p:nvSpPr>
+          <p:cNvPr id="20" name="TextBox 19">
+            <a:extLst>
+              <a:ext uri="{FF2B5EF4-FFF2-40B4-BE49-F238E27FC236}">
+                <a16:creationId xmlns:a16="http://schemas.microsoft.com/office/drawing/2014/main" id="{0FB42A71-8F65-D04F-B589-600155283AE2}"/>
+              </a:ext>
+            </a:extLst>
+          </p:cNvPr>
+          <p:cNvSpPr txBox="1"/>
+          <p:nvPr/>
+        </p:nvSpPr>
+        <p:spPr>
+          <a:xfrm>
+            <a:off x="7507657" y="5042031"/>
+            <a:ext cx="4099383" cy="1077218"/>
+          </a:xfrm>
+          <a:prstGeom prst="rect">
+            <a:avLst/>
+          </a:prstGeom>
+          <a:solidFill>
+            <a:srgbClr val="FFC000"/>
+          </a:solidFill>
+        </p:spPr>
+        <p:txBody>
+          <a:bodyPr wrap="square" rtlCol="0">
+            <a:spAutoFit/>
+          </a:bodyPr>
+          <a:lstStyle/>
+          <a:p>
+            <a:r>
+              <a:rPr lang="en-US" sz="3200" dirty="0">
+                <a:solidFill>
+                  <a:schemeClr val="bg1"/>
+                </a:solidFill>
+              </a:rPr>
+              <a:t>PATCH ../:</a:t>
+            </a:r>
+            <a:r>
+              <a:rPr lang="en-US" sz="3200" dirty="0" err="1">
+                <a:solidFill>
+                  <a:schemeClr val="bg1"/>
+                </a:solidFill>
+              </a:rPr>
+              <a:t>foodname</a:t>
+            </a:r>
+            <a:r>
+              <a:rPr lang="en-US" sz="3200" dirty="0">
+                <a:solidFill>
+                  <a:schemeClr val="bg1"/>
+                </a:solidFill>
+              </a:rPr>
+              <a:t> ../food/:</a:t>
             </a:r>
             <a:r>
               <a:rPr lang="en-US" sz="3200" dirty="0" err="1">
@@ -4996,10 +5248,10 @@
       </p:sp>
       <p:sp>
         <p:nvSpPr>
-          <p:cNvPr id="15" name="TextBox 14">
-            <a:extLst>
-              <a:ext uri="{FF2B5EF4-FFF2-40B4-BE49-F238E27FC236}">
-                <a16:creationId xmlns:a16="http://schemas.microsoft.com/office/drawing/2014/main" id="{E90DDF19-9586-B648-B006-A2A5C6FE66D5}"/>
+          <p:cNvPr id="21" name="TextBox 20">
+            <a:extLst>
+              <a:ext uri="{FF2B5EF4-FFF2-40B4-BE49-F238E27FC236}">
+                <a16:creationId xmlns:a16="http://schemas.microsoft.com/office/drawing/2014/main" id="{06CB3F99-4BDB-654E-95A4-E0D3C2EDC859}"/>
               </a:ext>
             </a:extLst>
           </p:cNvPr>
@@ -5008,7 +5260,7 @@
         </p:nvSpPr>
         <p:spPr>
           <a:xfrm>
-            <a:off x="3277587" y="4571510"/>
+            <a:off x="7507658" y="5792606"/>
             <a:ext cx="4099383" cy="1077218"/>
           </a:xfrm>
           <a:prstGeom prst="rect">
@@ -5029,22 +5281,17 @@
           <a:p>
             <a:r>
               <a:rPr lang="en-US" sz="3200" dirty="0"/>
-              <a:t>Retrieve list of all foods for a given </a:t>
-            </a:r>
-            <a:r>
-              <a:rPr lang="en-US" sz="3200" dirty="0" err="1"/>
-              <a:t>foodgroup</a:t>
-            </a:r>
-            <a:endParaRPr lang="en-US" sz="3200" dirty="0"/>
-          </a:p>
-        </p:txBody>
-      </p:sp>
-      <p:sp>
-        <p:nvSpPr>
-          <p:cNvPr id="18" name="TextBox 17">
-            <a:extLst>
-              <a:ext uri="{FF2B5EF4-FFF2-40B4-BE49-F238E27FC236}">
-                <a16:creationId xmlns:a16="http://schemas.microsoft.com/office/drawing/2014/main" id="{2BF0138F-CDAC-F342-9058-9855E4FB2D1E}"/>
+              <a:t>Edit existing food item for a specific food item</a:t>
+            </a:r>
+          </a:p>
+        </p:txBody>
+      </p:sp>
+      <p:sp>
+        <p:nvSpPr>
+          <p:cNvPr id="22" name="TextBox 21">
+            <a:extLst>
+              <a:ext uri="{FF2B5EF4-FFF2-40B4-BE49-F238E27FC236}">
+                <a16:creationId xmlns:a16="http://schemas.microsoft.com/office/drawing/2014/main" id="{FC7C865F-CFDE-2344-95FC-67CDC7BEF15A}"/>
               </a:ext>
             </a:extLst>
           </p:cNvPr>
@@ -5053,7 +5300,7 @@
         </p:nvSpPr>
         <p:spPr>
           <a:xfrm>
-            <a:off x="7507662" y="2065139"/>
+            <a:off x="7507654" y="3625940"/>
             <a:ext cx="4099381" cy="584775"/>
           </a:xfrm>
           <a:prstGeom prst="rect">
@@ -5075,88 +5322,7 @@
                   <a:schemeClr val="bg1"/>
                 </a:solidFill>
               </a:rPr>
-              <a:t>POST ../</a:t>
-            </a:r>
-          </a:p>
-        </p:txBody>
-      </p:sp>
-      <p:sp>
-        <p:nvSpPr>
-          <p:cNvPr id="19" name="TextBox 18">
-            <a:extLst>
-              <a:ext uri="{FF2B5EF4-FFF2-40B4-BE49-F238E27FC236}">
-                <a16:creationId xmlns:a16="http://schemas.microsoft.com/office/drawing/2014/main" id="{13B19048-13FC-284D-9A2E-39FF91E6DE53}"/>
-              </a:ext>
-            </a:extLst>
-          </p:cNvPr>
-          <p:cNvSpPr txBox="1"/>
-          <p:nvPr/>
-        </p:nvSpPr>
-        <p:spPr>
-          <a:xfrm>
-            <a:off x="7507662" y="2649914"/>
-            <a:ext cx="4099382" cy="584775"/>
-          </a:xfrm>
-          <a:prstGeom prst="rect">
-            <a:avLst/>
-          </a:prstGeom>
-          <a:solidFill>
-            <a:schemeClr val="accent4">
-              <a:lumMod val="40000"/>
-              <a:lumOff val="60000"/>
-            </a:schemeClr>
-          </a:solidFill>
-        </p:spPr>
-        <p:txBody>
-          <a:bodyPr wrap="square" rtlCol="0">
-            <a:spAutoFit/>
-          </a:bodyPr>
-          <a:lstStyle/>
-          <a:p>
-            <a:r>
-              <a:rPr lang="en-US" sz="3200" dirty="0"/>
-              <a:t>Create a new food</a:t>
-            </a:r>
-          </a:p>
-        </p:txBody>
-      </p:sp>
-      <p:sp>
-        <p:nvSpPr>
-          <p:cNvPr id="20" name="TextBox 19">
-            <a:extLst>
-              <a:ext uri="{FF2B5EF4-FFF2-40B4-BE49-F238E27FC236}">
-                <a16:creationId xmlns:a16="http://schemas.microsoft.com/office/drawing/2014/main" id="{0FB42A71-8F65-D04F-B589-600155283AE2}"/>
-              </a:ext>
-            </a:extLst>
-          </p:cNvPr>
-          <p:cNvSpPr txBox="1"/>
-          <p:nvPr/>
-        </p:nvSpPr>
-        <p:spPr>
-          <a:xfrm>
-            <a:off x="7507662" y="4888781"/>
-            <a:ext cx="4099383" cy="1077218"/>
-          </a:xfrm>
-          <a:prstGeom prst="rect">
-            <a:avLst/>
-          </a:prstGeom>
-          <a:solidFill>
-            <a:srgbClr val="FFC000"/>
-          </a:solidFill>
-        </p:spPr>
-        <p:txBody>
-          <a:bodyPr wrap="square" rtlCol="0">
-            <a:spAutoFit/>
-          </a:bodyPr>
-          <a:lstStyle/>
-          <a:p>
-            <a:r>
-              <a:rPr lang="en-US" sz="3200" dirty="0">
-                <a:solidFill>
-                  <a:schemeClr val="bg1"/>
-                </a:solidFill>
-              </a:rPr>
-              <a:t>PATCH ../:</a:t>
+              <a:t>GET ../:</a:t>
             </a:r>
             <a:r>
               <a:rPr lang="en-US" sz="3200" dirty="0" err="1">
@@ -5166,22 +5332,6 @@
               </a:rPr>
               <a:t>foodname</a:t>
             </a:r>
-            <a:r>
-              <a:rPr lang="en-US" sz="3200" dirty="0">
-                <a:solidFill>
-                  <a:schemeClr val="bg1"/>
-                </a:solidFill>
-              </a:rPr>
-              <a:t> ../food/:</a:t>
-            </a:r>
-            <a:r>
-              <a:rPr lang="en-US" sz="3200" dirty="0" err="1">
-                <a:solidFill>
-                  <a:schemeClr val="bg1"/>
-                </a:solidFill>
-              </a:rPr>
-              <a:t>foodgroup</a:t>
-            </a:r>
             <a:endParaRPr lang="en-US" sz="3200" dirty="0">
               <a:solidFill>
                 <a:schemeClr val="bg1"/>
@@ -5192,10 +5342,10 @@
       </p:sp>
       <p:sp>
         <p:nvSpPr>
-          <p:cNvPr id="21" name="TextBox 20">
-            <a:extLst>
-              <a:ext uri="{FF2B5EF4-FFF2-40B4-BE49-F238E27FC236}">
-                <a16:creationId xmlns:a16="http://schemas.microsoft.com/office/drawing/2014/main" id="{06CB3F99-4BDB-654E-95A4-E0D3C2EDC859}"/>
+          <p:cNvPr id="23" name="TextBox 22">
+            <a:extLst>
+              <a:ext uri="{FF2B5EF4-FFF2-40B4-BE49-F238E27FC236}">
+                <a16:creationId xmlns:a16="http://schemas.microsoft.com/office/drawing/2014/main" id="{C594A6A7-A276-864F-AA8C-D2C01625617F}"/>
               </a:ext>
             </a:extLst>
           </p:cNvPr>
@@ -5204,101 +5354,7 @@
         </p:nvSpPr>
         <p:spPr>
           <a:xfrm>
-            <a:off x="7507662" y="5473556"/>
-            <a:ext cx="4099383" cy="1077218"/>
-          </a:xfrm>
-          <a:prstGeom prst="rect">
-            <a:avLst/>
-          </a:prstGeom>
-          <a:solidFill>
-            <a:schemeClr val="accent4">
-              <a:lumMod val="40000"/>
-              <a:lumOff val="60000"/>
-            </a:schemeClr>
-          </a:solidFill>
-        </p:spPr>
-        <p:txBody>
-          <a:bodyPr wrap="square" rtlCol="0">
-            <a:spAutoFit/>
-          </a:bodyPr>
-          <a:lstStyle/>
-          <a:p>
-            <a:r>
-              <a:rPr lang="en-US" sz="3200" dirty="0"/>
-              <a:t>Edit existing food item for a specific food item</a:t>
-            </a:r>
-          </a:p>
-        </p:txBody>
-      </p:sp>
-      <p:sp>
-        <p:nvSpPr>
-          <p:cNvPr id="22" name="TextBox 21">
-            <a:extLst>
-              <a:ext uri="{FF2B5EF4-FFF2-40B4-BE49-F238E27FC236}">
-                <a16:creationId xmlns:a16="http://schemas.microsoft.com/office/drawing/2014/main" id="{FC7C865F-CFDE-2344-95FC-67CDC7BEF15A}"/>
-              </a:ext>
-            </a:extLst>
-          </p:cNvPr>
-          <p:cNvSpPr txBox="1"/>
-          <p:nvPr/>
-        </p:nvSpPr>
-        <p:spPr>
-          <a:xfrm>
-            <a:off x="7507660" y="3234689"/>
-            <a:ext cx="4099381" cy="584775"/>
-          </a:xfrm>
-          <a:prstGeom prst="rect">
-            <a:avLst/>
-          </a:prstGeom>
-          <a:solidFill>
-            <a:srgbClr val="FFC000"/>
-          </a:solidFill>
-        </p:spPr>
-        <p:txBody>
-          <a:bodyPr wrap="square" rtlCol="0">
-            <a:spAutoFit/>
-          </a:bodyPr>
-          <a:lstStyle/>
-          <a:p>
-            <a:r>
-              <a:rPr lang="en-US" sz="3200" dirty="0">
-                <a:solidFill>
-                  <a:schemeClr val="bg1"/>
-                </a:solidFill>
-              </a:rPr>
-              <a:t>GET ../:</a:t>
-            </a:r>
-            <a:r>
-              <a:rPr lang="en-US" sz="3200" dirty="0" err="1">
-                <a:solidFill>
-                  <a:schemeClr val="bg1"/>
-                </a:solidFill>
-              </a:rPr>
-              <a:t>foodname</a:t>
-            </a:r>
-            <a:endParaRPr lang="en-US" sz="3200" dirty="0">
-              <a:solidFill>
-                <a:schemeClr val="bg1"/>
-              </a:solidFill>
-            </a:endParaRPr>
-          </a:p>
-        </p:txBody>
-      </p:sp>
-      <p:sp>
-        <p:nvSpPr>
-          <p:cNvPr id="23" name="TextBox 22">
-            <a:extLst>
-              <a:ext uri="{FF2B5EF4-FFF2-40B4-BE49-F238E27FC236}">
-                <a16:creationId xmlns:a16="http://schemas.microsoft.com/office/drawing/2014/main" id="{C594A6A7-A276-864F-AA8C-D2C01625617F}"/>
-              </a:ext>
-            </a:extLst>
-          </p:cNvPr>
-          <p:cNvSpPr txBox="1"/>
-          <p:nvPr/>
-        </p:nvSpPr>
-        <p:spPr>
-          <a:xfrm>
-            <a:off x="7507660" y="3819464"/>
+            <a:off x="7507653" y="4016474"/>
             <a:ext cx="4099382" cy="1077218"/>
           </a:xfrm>
           <a:prstGeom prst="rect">

--- a/wireframes/wireframes.pptx
+++ b/wireframes/wireframes.pptx
@@ -268,7 +268,7 @@
           <a:p>
             <a:fld id="{CE5C1B82-FF87-5E43-9112-610624864079}" type="datetimeFigureOut">
               <a:rPr lang="en-US" smtClean="0"/>
-              <a:t>7/13/20</a:t>
+              <a:t>9/14/20</a:t>
             </a:fld>
             <a:endParaRPr lang="en-US"/>
           </a:p>
@@ -466,7 +466,7 @@
           <a:p>
             <a:fld id="{CE5C1B82-FF87-5E43-9112-610624864079}" type="datetimeFigureOut">
               <a:rPr lang="en-US" smtClean="0"/>
-              <a:t>7/13/20</a:t>
+              <a:t>9/14/20</a:t>
             </a:fld>
             <a:endParaRPr lang="en-US"/>
           </a:p>
@@ -674,7 +674,7 @@
           <a:p>
             <a:fld id="{CE5C1B82-FF87-5E43-9112-610624864079}" type="datetimeFigureOut">
               <a:rPr lang="en-US" smtClean="0"/>
-              <a:t>7/13/20</a:t>
+              <a:t>9/14/20</a:t>
             </a:fld>
             <a:endParaRPr lang="en-US"/>
           </a:p>
@@ -872,7 +872,7 @@
           <a:p>
             <a:fld id="{CE5C1B82-FF87-5E43-9112-610624864079}" type="datetimeFigureOut">
               <a:rPr lang="en-US" smtClean="0"/>
-              <a:t>7/13/20</a:t>
+              <a:t>9/14/20</a:t>
             </a:fld>
             <a:endParaRPr lang="en-US"/>
           </a:p>
@@ -1147,7 +1147,7 @@
           <a:p>
             <a:fld id="{CE5C1B82-FF87-5E43-9112-610624864079}" type="datetimeFigureOut">
               <a:rPr lang="en-US" smtClean="0"/>
-              <a:t>7/13/20</a:t>
+              <a:t>9/14/20</a:t>
             </a:fld>
             <a:endParaRPr lang="en-US"/>
           </a:p>
@@ -1412,7 +1412,7 @@
           <a:p>
             <a:fld id="{CE5C1B82-FF87-5E43-9112-610624864079}" type="datetimeFigureOut">
               <a:rPr lang="en-US" smtClean="0"/>
-              <a:t>7/13/20</a:t>
+              <a:t>9/14/20</a:t>
             </a:fld>
             <a:endParaRPr lang="en-US"/>
           </a:p>
@@ -1824,7 +1824,7 @@
           <a:p>
             <a:fld id="{CE5C1B82-FF87-5E43-9112-610624864079}" type="datetimeFigureOut">
               <a:rPr lang="en-US" smtClean="0"/>
-              <a:t>7/13/20</a:t>
+              <a:t>9/14/20</a:t>
             </a:fld>
             <a:endParaRPr lang="en-US"/>
           </a:p>
@@ -1965,7 +1965,7 @@
           <a:p>
             <a:fld id="{CE5C1B82-FF87-5E43-9112-610624864079}" type="datetimeFigureOut">
               <a:rPr lang="en-US" smtClean="0"/>
-              <a:t>7/13/20</a:t>
+              <a:t>9/14/20</a:t>
             </a:fld>
             <a:endParaRPr lang="en-US"/>
           </a:p>
@@ -2078,7 +2078,7 @@
           <a:p>
             <a:fld id="{CE5C1B82-FF87-5E43-9112-610624864079}" type="datetimeFigureOut">
               <a:rPr lang="en-US" smtClean="0"/>
-              <a:t>7/13/20</a:t>
+              <a:t>9/14/20</a:t>
             </a:fld>
             <a:endParaRPr lang="en-US"/>
           </a:p>
@@ -2389,7 +2389,7 @@
           <a:p>
             <a:fld id="{CE5C1B82-FF87-5E43-9112-610624864079}" type="datetimeFigureOut">
               <a:rPr lang="en-US" smtClean="0"/>
-              <a:t>7/13/20</a:t>
+              <a:t>9/14/20</a:t>
             </a:fld>
             <a:endParaRPr lang="en-US"/>
           </a:p>
@@ -2677,7 +2677,7 @@
           <a:p>
             <a:fld id="{CE5C1B82-FF87-5E43-9112-610624864079}" type="datetimeFigureOut">
               <a:rPr lang="en-US" smtClean="0"/>
-              <a:t>7/13/20</a:t>
+              <a:t>9/14/20</a:t>
             </a:fld>
             <a:endParaRPr lang="en-US"/>
           </a:p>
@@ -2918,7 +2918,7 @@
           <a:p>
             <a:fld id="{CE5C1B82-FF87-5E43-9112-610624864079}" type="datetimeFigureOut">
               <a:rPr lang="en-US" smtClean="0"/>
-              <a:t>7/13/20</a:t>
+              <a:t>9/14/20</a:t>
             </a:fld>
             <a:endParaRPr lang="en-US"/>
           </a:p>
@@ -4599,7 +4599,7 @@
         <p:spPr>
           <a:xfrm>
             <a:off x="88620" y="1220761"/>
-            <a:ext cx="3058271" cy="584775"/>
+            <a:ext cx="3058271" cy="523220"/>
           </a:xfrm>
           <a:prstGeom prst="rect">
             <a:avLst/>
@@ -4615,7 +4615,7 @@
           <a:lstStyle/>
           <a:p>
             <a:r>
-              <a:rPr lang="en-US" sz="3200" dirty="0">
+              <a:rPr lang="en-US" sz="2800" dirty="0">
                 <a:solidFill>
                   <a:schemeClr val="bg1"/>
                 </a:solidFill>
@@ -4623,7 +4623,7 @@
               <a:t>/</a:t>
             </a:r>
             <a:r>
-              <a:rPr lang="en-US" sz="3200" dirty="0" err="1">
+              <a:rPr lang="en-US" sz="2800" dirty="0" err="1">
                 <a:solidFill>
                   <a:schemeClr val="bg1"/>
                 </a:solidFill>
@@ -4631,7 +4631,7 @@
               <a:t>api</a:t>
             </a:r>
             <a:r>
-              <a:rPr lang="en-US" sz="3200" dirty="0">
+              <a:rPr lang="en-US" sz="2800" dirty="0">
                 <a:solidFill>
                   <a:schemeClr val="bg1"/>
                 </a:solidFill>
@@ -4656,7 +4656,7 @@
         <p:spPr>
           <a:xfrm>
             <a:off x="88615" y="3611407"/>
-            <a:ext cx="3058272" cy="584775"/>
+            <a:ext cx="3058272" cy="523220"/>
           </a:xfrm>
           <a:prstGeom prst="rect">
             <a:avLst/>
@@ -4672,7 +4672,7 @@
           <a:lstStyle/>
           <a:p>
             <a:r>
-              <a:rPr lang="en-US" sz="3200" dirty="0">
+              <a:rPr lang="en-US" sz="2800" dirty="0">
                 <a:solidFill>
                   <a:schemeClr val="bg1"/>
                 </a:solidFill>
@@ -4697,7 +4697,7 @@
         <p:spPr>
           <a:xfrm>
             <a:off x="88618" y="4163398"/>
-            <a:ext cx="3058273" cy="1077218"/>
+            <a:ext cx="3058273" cy="954107"/>
           </a:xfrm>
           <a:prstGeom prst="rect">
             <a:avLst/>
@@ -4713,7 +4713,7 @@
           <a:lstStyle/>
           <a:p>
             <a:r>
-              <a:rPr lang="en-US" sz="3200" dirty="0"/>
+              <a:rPr lang="en-US" sz="2800" dirty="0"/>
               <a:t>Create new user + log user in</a:t>
             </a:r>
           </a:p>
@@ -4734,7 +4734,7 @@
         <p:spPr>
           <a:xfrm>
             <a:off x="88619" y="5500219"/>
-            <a:ext cx="3058272" cy="584775"/>
+            <a:ext cx="3058272" cy="523220"/>
           </a:xfrm>
           <a:prstGeom prst="rect">
             <a:avLst/>
@@ -4750,7 +4750,7 @@
           <a:lstStyle/>
           <a:p>
             <a:r>
-              <a:rPr lang="en-US" sz="3200" dirty="0">
+              <a:rPr lang="en-US" sz="2800" dirty="0">
                 <a:solidFill>
                   <a:schemeClr val="bg1"/>
                 </a:solidFill>
@@ -4775,7 +4775,7 @@
         <p:spPr>
           <a:xfrm>
             <a:off x="88618" y="6084994"/>
-            <a:ext cx="3058273" cy="584775"/>
+            <a:ext cx="3058273" cy="523220"/>
           </a:xfrm>
           <a:prstGeom prst="rect">
             <a:avLst/>
@@ -4791,7 +4791,7 @@
           <a:lstStyle/>
           <a:p>
             <a:r>
-              <a:rPr lang="en-US" sz="3200" dirty="0"/>
+              <a:rPr lang="en-US" sz="2800" dirty="0"/>
               <a:t>Log user in</a:t>
             </a:r>
           </a:p>
@@ -4812,7 +4812,7 @@
         <p:spPr>
           <a:xfrm>
             <a:off x="3277587" y="1220761"/>
-            <a:ext cx="8329455" cy="584775"/>
+            <a:ext cx="8329455" cy="523220"/>
           </a:xfrm>
           <a:prstGeom prst="rect">
             <a:avLst/>
@@ -4828,7 +4828,7 @@
           <a:lstStyle/>
           <a:p>
             <a:r>
-              <a:rPr lang="en-US" sz="3200" dirty="0">
+              <a:rPr lang="en-US" sz="2800" dirty="0">
                 <a:solidFill>
                   <a:schemeClr val="bg1"/>
                 </a:solidFill>
@@ -4836,7 +4836,7 @@
               <a:t>/</a:t>
             </a:r>
             <a:r>
-              <a:rPr lang="en-US" sz="3200" dirty="0" err="1">
+              <a:rPr lang="en-US" sz="2800" dirty="0" err="1">
                 <a:solidFill>
                   <a:schemeClr val="bg1"/>
                 </a:solidFill>
@@ -4844,7 +4844,7 @@
               <a:t>api</a:t>
             </a:r>
             <a:r>
-              <a:rPr lang="en-US" sz="3200" dirty="0">
+              <a:rPr lang="en-US" sz="2800" dirty="0">
                 <a:solidFill>
                   <a:schemeClr val="bg1"/>
                 </a:solidFill>
@@ -4869,7 +4869,7 @@
         <p:spPr>
           <a:xfrm>
             <a:off x="3277586" y="2065139"/>
-            <a:ext cx="4099381" cy="584775"/>
+            <a:ext cx="4099381" cy="523220"/>
           </a:xfrm>
           <a:prstGeom prst="rect">
             <a:avLst/>
@@ -4885,7 +4885,7 @@
           <a:lstStyle/>
           <a:p>
             <a:r>
-              <a:rPr lang="en-US" sz="3200" dirty="0">
+              <a:rPr lang="en-US" sz="2800" dirty="0">
                 <a:solidFill>
                   <a:schemeClr val="bg1"/>
                 </a:solidFill>
@@ -4910,7 +4910,7 @@
         <p:spPr>
           <a:xfrm>
             <a:off x="3277586" y="2649914"/>
-            <a:ext cx="4099382" cy="1077218"/>
+            <a:ext cx="4099382" cy="954107"/>
           </a:xfrm>
           <a:prstGeom prst="rect">
             <a:avLst/>
@@ -4929,14 +4929,14 @@
           <a:lstStyle/>
           <a:p>
             <a:r>
-              <a:rPr lang="en-US" sz="3200" dirty="0"/>
+              <a:rPr lang="en-US" sz="2800" dirty="0"/>
               <a:t>Retrieve a list of all </a:t>
             </a:r>
             <a:r>
-              <a:rPr lang="en-US" sz="3200" dirty="0" err="1"/>
+              <a:rPr lang="en-US" sz="2800" dirty="0" err="1"/>
               <a:t>foodgroups</a:t>
             </a:r>
-            <a:endParaRPr lang="en-US" sz="3200" dirty="0"/>
+            <a:endParaRPr lang="en-US" sz="2800" dirty="0"/>
           </a:p>
         </p:txBody>
       </p:sp>
@@ -4955,7 +4955,7 @@
         <p:spPr>
           <a:xfrm>
             <a:off x="3277587" y="3986735"/>
-            <a:ext cx="4099383" cy="584775"/>
+            <a:ext cx="4099383" cy="523220"/>
           </a:xfrm>
           <a:prstGeom prst="rect">
             <a:avLst/>
@@ -4971,7 +4971,7 @@
           <a:lstStyle/>
           <a:p>
             <a:r>
-              <a:rPr lang="en-US" sz="3200" dirty="0">
+              <a:rPr lang="en-US" sz="2800" dirty="0">
                 <a:solidFill>
                   <a:schemeClr val="bg1"/>
                 </a:solidFill>
@@ -4979,7 +4979,7 @@
               <a:t>GET /</a:t>
             </a:r>
             <a:r>
-              <a:rPr lang="en-US" sz="3200" dirty="0" err="1">
+              <a:rPr lang="en-US" sz="2800" dirty="0" err="1">
                 <a:solidFill>
                   <a:schemeClr val="bg1"/>
                 </a:solidFill>
@@ -4987,7 +4987,7 @@
               <a:t>api</a:t>
             </a:r>
             <a:r>
-              <a:rPr lang="en-US" sz="3200" dirty="0">
+              <a:rPr lang="en-US" sz="2800" dirty="0">
                 <a:solidFill>
                   <a:schemeClr val="bg1"/>
                 </a:solidFill>
@@ -4995,7 +4995,7 @@
               <a:t>/</a:t>
             </a:r>
             <a:r>
-              <a:rPr lang="en-US" sz="3200" dirty="0" err="1">
+              <a:rPr lang="en-US" sz="2800" dirty="0" err="1">
                 <a:solidFill>
                   <a:schemeClr val="bg1"/>
                 </a:solidFill>
@@ -5003,7 +5003,7 @@
               <a:t>foodgroups</a:t>
             </a:r>
             <a:r>
-              <a:rPr lang="en-US" sz="3200" dirty="0">
+              <a:rPr lang="en-US" sz="2800" dirty="0">
                 <a:solidFill>
                   <a:schemeClr val="bg1"/>
                 </a:solidFill>
@@ -5028,7 +5028,7 @@
         <p:spPr>
           <a:xfrm>
             <a:off x="3277587" y="4571510"/>
-            <a:ext cx="4099383" cy="1077218"/>
+            <a:ext cx="4099383" cy="954107"/>
           </a:xfrm>
           <a:prstGeom prst="rect">
             <a:avLst/>
@@ -5047,14 +5047,14 @@
           <a:lstStyle/>
           <a:p>
             <a:r>
-              <a:rPr lang="en-US" sz="3200" dirty="0"/>
+              <a:rPr lang="en-US" sz="2800" dirty="0"/>
               <a:t>Retrieve list of all foods for a given </a:t>
             </a:r>
             <a:r>
-              <a:rPr lang="en-US" sz="3200" dirty="0" err="1"/>
+              <a:rPr lang="en-US" sz="2800" dirty="0" err="1"/>
               <a:t>foodgroup</a:t>
             </a:r>
-            <a:endParaRPr lang="en-US" sz="3200" dirty="0"/>
+            <a:endParaRPr lang="en-US" sz="2800" dirty="0"/>
           </a:p>
         </p:txBody>
       </p:sp>
@@ -5072,8 +5072,8 @@
         </p:nvSpPr>
         <p:spPr>
           <a:xfrm>
-            <a:off x="7507662" y="2065139"/>
-            <a:ext cx="4099381" cy="584775"/>
+            <a:off x="7507662" y="1886469"/>
+            <a:ext cx="4099381" cy="523220"/>
           </a:xfrm>
           <a:prstGeom prst="rect">
             <a:avLst/>
@@ -5089,7 +5089,7 @@
           <a:lstStyle/>
           <a:p>
             <a:r>
-              <a:rPr lang="en-US" sz="3200" dirty="0">
+              <a:rPr lang="en-US" sz="2800" dirty="0">
                 <a:solidFill>
                   <a:schemeClr val="bg1"/>
                 </a:solidFill>
@@ -5097,7 +5097,7 @@
               <a:t>POST ./</a:t>
             </a:r>
             <a:r>
-              <a:rPr lang="en-US" sz="3200" dirty="0" err="1">
+              <a:rPr lang="en-US" sz="2800" dirty="0" err="1">
                 <a:solidFill>
                   <a:schemeClr val="bg1"/>
                 </a:solidFill>
@@ -5105,7 +5105,7 @@
               <a:t>api</a:t>
             </a:r>
             <a:r>
-              <a:rPr lang="en-US" sz="3200" dirty="0">
+              <a:rPr lang="en-US" sz="2800" dirty="0">
                 <a:solidFill>
                   <a:schemeClr val="bg1"/>
                 </a:solidFill>
@@ -5113,7 +5113,7 @@
               <a:t>/</a:t>
             </a:r>
             <a:r>
-              <a:rPr lang="en-US" sz="3200" dirty="0" err="1">
+              <a:rPr lang="en-US" sz="2800" dirty="0" err="1">
                 <a:solidFill>
                   <a:schemeClr val="bg1"/>
                 </a:solidFill>
@@ -5121,7 +5121,7 @@
               <a:t>foodgroups</a:t>
             </a:r>
             <a:r>
-              <a:rPr lang="en-US" sz="3200" dirty="0">
+              <a:rPr lang="en-US" sz="2800" dirty="0">
                 <a:solidFill>
                   <a:schemeClr val="bg1"/>
                 </a:solidFill>
@@ -5145,8 +5145,8 @@
         </p:nvSpPr>
         <p:spPr>
           <a:xfrm>
-            <a:off x="7507662" y="2649914"/>
-            <a:ext cx="4099382" cy="1077218"/>
+            <a:off x="7507653" y="2465823"/>
+            <a:ext cx="4099382" cy="523220"/>
           </a:xfrm>
           <a:prstGeom prst="rect">
             <a:avLst/>
@@ -5165,14 +5165,14 @@
           <a:lstStyle/>
           <a:p>
             <a:r>
-              <a:rPr lang="en-US" sz="3200" dirty="0"/>
+              <a:rPr lang="en-US" sz="2800" dirty="0"/>
               <a:t>Create a new </a:t>
             </a:r>
             <a:r>
-              <a:rPr lang="en-US" sz="3200" dirty="0" err="1"/>
+              <a:rPr lang="en-US" sz="2800" dirty="0" err="1"/>
               <a:t>foodgroup</a:t>
             </a:r>
-            <a:endParaRPr lang="en-US" sz="3200" dirty="0"/>
+            <a:endParaRPr lang="en-US" sz="2800" dirty="0"/>
           </a:p>
         </p:txBody>
       </p:sp>
@@ -5190,8 +5190,8 @@
         </p:nvSpPr>
         <p:spPr>
           <a:xfrm>
-            <a:off x="7507657" y="5042031"/>
-            <a:ext cx="4099383" cy="1077218"/>
+            <a:off x="7507653" y="4715388"/>
+            <a:ext cx="4099383" cy="954107"/>
           </a:xfrm>
           <a:prstGeom prst="rect">
             <a:avLst/>
@@ -5207,7 +5207,7 @@
           <a:lstStyle/>
           <a:p>
             <a:r>
-              <a:rPr lang="en-US" sz="3200" dirty="0">
+              <a:rPr lang="en-US" sz="2800" dirty="0">
                 <a:solidFill>
                   <a:schemeClr val="bg1"/>
                 </a:solidFill>
@@ -5215,7 +5215,7 @@
               <a:t>PATCH ../:</a:t>
             </a:r>
             <a:r>
-              <a:rPr lang="en-US" sz="3200" dirty="0" err="1">
+              <a:rPr lang="en-US" sz="2800" dirty="0" err="1">
                 <a:solidFill>
                   <a:schemeClr val="bg1"/>
                 </a:solidFill>
@@ -5223,7 +5223,7 @@
               <a:t>foodname</a:t>
             </a:r>
             <a:r>
-              <a:rPr lang="en-US" sz="3200" dirty="0">
+              <a:rPr lang="en-US" sz="2800" dirty="0">
                 <a:solidFill>
                   <a:schemeClr val="bg1"/>
                 </a:solidFill>
@@ -5231,14 +5231,14 @@
               <a:t> ../food/:</a:t>
             </a:r>
             <a:r>
-              <a:rPr lang="en-US" sz="3200" dirty="0" err="1">
+              <a:rPr lang="en-US" sz="2800" dirty="0" err="1">
                 <a:solidFill>
                   <a:schemeClr val="bg1"/>
                 </a:solidFill>
               </a:rPr>
               <a:t>foodgroup</a:t>
             </a:r>
-            <a:endParaRPr lang="en-US" sz="3200" dirty="0">
+            <a:endParaRPr lang="en-US" sz="2800" dirty="0">
               <a:solidFill>
                 <a:schemeClr val="bg1"/>
               </a:solidFill>
@@ -5260,8 +5260,8 @@
         </p:nvSpPr>
         <p:spPr>
           <a:xfrm>
-            <a:off x="7507658" y="5792606"/>
-            <a:ext cx="4099383" cy="1077218"/>
+            <a:off x="7507653" y="5731861"/>
+            <a:ext cx="4099383" cy="954107"/>
           </a:xfrm>
           <a:prstGeom prst="rect">
             <a:avLst/>
@@ -5280,7 +5280,7 @@
           <a:lstStyle/>
           <a:p>
             <a:r>
-              <a:rPr lang="en-US" sz="3200" dirty="0"/>
+              <a:rPr lang="en-US" sz="2800" dirty="0"/>
               <a:t>Edit existing food item for a specific food item</a:t>
             </a:r>
           </a:p>
@@ -5300,8 +5300,8 @@
         </p:nvSpPr>
         <p:spPr>
           <a:xfrm>
-            <a:off x="7507654" y="3625940"/>
-            <a:ext cx="4099381" cy="584775"/>
+            <a:off x="7507653" y="3103182"/>
+            <a:ext cx="4099381" cy="523220"/>
           </a:xfrm>
           <a:prstGeom prst="rect">
             <a:avLst/>
@@ -5317,7 +5317,7 @@
           <a:lstStyle/>
           <a:p>
             <a:r>
-              <a:rPr lang="en-US" sz="3200" dirty="0">
+              <a:rPr lang="en-US" sz="2800" dirty="0">
                 <a:solidFill>
                   <a:schemeClr val="bg1"/>
                 </a:solidFill>
@@ -5325,14 +5325,14 @@
               <a:t>GET ../:</a:t>
             </a:r>
             <a:r>
-              <a:rPr lang="en-US" sz="3200" dirty="0" err="1">
+              <a:rPr lang="en-US" sz="2800" dirty="0" err="1">
                 <a:solidFill>
                   <a:schemeClr val="bg1"/>
                 </a:solidFill>
               </a:rPr>
               <a:t>foodname</a:t>
             </a:r>
-            <a:endParaRPr lang="en-US" sz="3200" dirty="0">
+            <a:endParaRPr lang="en-US" sz="2800" dirty="0">
               <a:solidFill>
                 <a:schemeClr val="bg1"/>
               </a:solidFill>
@@ -5354,8 +5354,8 @@
         </p:nvSpPr>
         <p:spPr>
           <a:xfrm>
-            <a:off x="7507653" y="4016474"/>
-            <a:ext cx="4099382" cy="1077218"/>
+            <a:off x="7507653" y="3698915"/>
+            <a:ext cx="4099382" cy="954107"/>
           </a:xfrm>
           <a:prstGeom prst="rect">
             <a:avLst/>
@@ -5374,7 +5374,7 @@
           <a:lstStyle/>
           <a:p>
             <a:r>
-              <a:rPr lang="en-US" sz="3200" dirty="0"/>
+              <a:rPr lang="en-US" sz="2800" dirty="0"/>
               <a:t>Retrieve details of a food item</a:t>
             </a:r>
           </a:p>
@@ -5395,7 +5395,7 @@
         <p:spPr>
           <a:xfrm>
             <a:off x="88616" y="1851669"/>
-            <a:ext cx="3058272" cy="584775"/>
+            <a:ext cx="3058272" cy="523220"/>
           </a:xfrm>
           <a:prstGeom prst="rect">
             <a:avLst/>
@@ -5411,7 +5411,7 @@
           <a:lstStyle/>
           <a:p>
             <a:r>
-              <a:rPr lang="en-US" sz="3200" dirty="0">
+              <a:rPr lang="en-US" sz="2800" dirty="0">
                 <a:solidFill>
                   <a:schemeClr val="bg1"/>
                 </a:solidFill>
@@ -5436,7 +5436,7 @@
         <p:spPr>
           <a:xfrm>
             <a:off x="88615" y="2436444"/>
-            <a:ext cx="3058273" cy="1077218"/>
+            <a:ext cx="3058273" cy="954107"/>
           </a:xfrm>
           <a:prstGeom prst="rect">
             <a:avLst/>
@@ -5452,11 +5452,11 @@
           <a:lstStyle/>
           <a:p>
             <a:r>
-              <a:rPr lang="en-US" sz="3200" dirty="0" err="1"/>
+              <a:rPr lang="en-US" sz="2800" dirty="0" err="1"/>
               <a:t>Retreive</a:t>
             </a:r>
             <a:r>
-              <a:rPr lang="en-US" sz="3200" dirty="0"/>
+              <a:rPr lang="en-US" sz="2800" dirty="0"/>
               <a:t> list of all users</a:t>
             </a:r>
           </a:p>
@@ -6902,7 +6902,7 @@
         </p:nvSpPr>
         <p:spPr>
           <a:xfrm>
-            <a:off x="3950630" y="4401624"/>
+            <a:off x="4139816" y="4662792"/>
             <a:ext cx="4427174" cy="369332"/>
           </a:xfrm>
           <a:prstGeom prst="rect">
